--- a/Présentation de Mattermost.pptx
+++ b/Présentation de Mattermost.pptx
@@ -5,10 +5,10 @@
     <p:sldMasterId id="2147483672" r:id="rId4"/>
   </p:sldMasterIdLst>
   <p:notesMasterIdLst>
-    <p:notesMasterId r:id="rId22"/>
+    <p:notesMasterId r:id="rId23"/>
   </p:notesMasterIdLst>
   <p:handoutMasterIdLst>
-    <p:handoutMasterId r:id="rId23"/>
+    <p:handoutMasterId r:id="rId24"/>
   </p:handoutMasterIdLst>
   <p:sldIdLst>
     <p:sldId id="322" r:id="rId5"/>
@@ -24,15 +24,16 @@
     <p:sldId id="333" r:id="rId15"/>
     <p:sldId id="334" r:id="rId16"/>
     <p:sldId id="335" r:id="rId17"/>
-    <p:sldId id="331" r:id="rId18"/>
-    <p:sldId id="327" r:id="rId19"/>
-    <p:sldId id="336" r:id="rId20"/>
-    <p:sldId id="337" r:id="rId21"/>
+    <p:sldId id="338" r:id="rId18"/>
+    <p:sldId id="331" r:id="rId19"/>
+    <p:sldId id="327" r:id="rId20"/>
+    <p:sldId id="336" r:id="rId21"/>
+    <p:sldId id="337" r:id="rId22"/>
   </p:sldIdLst>
   <p:sldSz cx="12188825" cy="6858000"/>
   <p:notesSz cx="6858000" cy="9144000"/>
   <p:custDataLst>
-    <p:tags r:id="rId24"/>
+    <p:tags r:id="rId25"/>
   </p:custDataLst>
   <p:defaultTextStyle>
     <a:defPPr rtl="0">
@@ -2916,6 +2917,13 @@
         </dgm:presLayoutVars>
       </dgm:prSet>
       <dgm:spPr/>
+      <dgm:t>
+        <a:bodyPr/>
+        <a:lstStyle/>
+        <a:p>
+          <a:endParaRPr lang="fr-FR"/>
+        </a:p>
+      </dgm:t>
     </dgm:pt>
     <dgm:pt modelId="{AA3F6572-7EB7-457E-8F0A-4842F6FD611E}" type="pres">
       <dgm:prSet presAssocID="{E6E6943A-E64D-4531-8BB5-B6D5636E63AA}" presName="linNode" presStyleCnt="0"/>
@@ -2943,6 +2951,13 @@
         </dgm:presLayoutVars>
       </dgm:prSet>
       <dgm:spPr/>
+      <dgm:t>
+        <a:bodyPr/>
+        <a:lstStyle/>
+        <a:p>
+          <a:endParaRPr lang="fr-FR"/>
+        </a:p>
+      </dgm:t>
     </dgm:pt>
     <dgm:pt modelId="{51124731-6533-437C-9CA3-F2FDD29AFB95}" type="pres">
       <dgm:prSet presAssocID="{9E26C465-3BB4-4B0B-B628-FFFDAEB56D90}" presName="spacing" presStyleCnt="0"/>
@@ -2959,6 +2974,13 @@
         </dgm:presLayoutVars>
       </dgm:prSet>
       <dgm:spPr/>
+      <dgm:t>
+        <a:bodyPr/>
+        <a:lstStyle/>
+        <a:p>
+          <a:endParaRPr lang="fr-FR"/>
+        </a:p>
+      </dgm:t>
     </dgm:pt>
     <dgm:pt modelId="{44E794B9-0F5B-41C6-953C-1548AAED9C44}" type="pres">
       <dgm:prSet presAssocID="{963C69D3-6900-4A19-8628-767CE91AB8EA}" presName="childShp" presStyleLbl="bgAccFollowNode1" presStyleIdx="1" presStyleCnt="3">
@@ -3005,12 +3027,19 @@
         </dgm:presLayoutVars>
       </dgm:prSet>
       <dgm:spPr/>
+      <dgm:t>
+        <a:bodyPr/>
+        <a:lstStyle/>
+        <a:p>
+          <a:endParaRPr lang="fr-FR"/>
+        </a:p>
+      </dgm:t>
     </dgm:pt>
   </dgm:ptLst>
   <dgm:cxnLst>
     <dgm:cxn modelId="{A3039862-D061-42BC-B91C-5CCB31235396}" type="presOf" srcId="{F8248A93-7E0D-48F8-BB32-3B066A9FD0C6}" destId="{00F23754-68FA-427A-9C6F-4E4CE23A687A}" srcOrd="0" destOrd="0" presId="urn:microsoft.com/office/officeart/2005/8/layout/vList6"/>
+    <dgm:cxn modelId="{74C8BB7C-B02F-4EDA-ADE2-FA9F0E38F5B0}" srcId="{BF9E6173-593F-45F9-ABED-363BD96824EE}" destId="{1D6B9BC6-EF72-4322-AEC1-B3B23EC11E30}" srcOrd="2" destOrd="0" parTransId="{1BAD4BBF-C9D9-40B0-9454-571B4C675B0C}" sibTransId="{D9A26D00-889F-40A0-9407-D1265CB636F6}"/>
     <dgm:cxn modelId="{8BEDC589-3C7B-4907-A42C-25C949594E77}" type="presOf" srcId="{4B402185-0167-4684-8045-879425D73469}" destId="{611E8F6D-94A6-4976-9E0E-21FAF293347E}" srcOrd="0" destOrd="2" presId="urn:microsoft.com/office/officeart/2005/8/layout/vList6"/>
-    <dgm:cxn modelId="{74C8BB7C-B02F-4EDA-ADE2-FA9F0E38F5B0}" srcId="{BF9E6173-593F-45F9-ABED-363BD96824EE}" destId="{1D6B9BC6-EF72-4322-AEC1-B3B23EC11E30}" srcOrd="2" destOrd="0" parTransId="{1BAD4BBF-C9D9-40B0-9454-571B4C675B0C}" sibTransId="{D9A26D00-889F-40A0-9407-D1265CB636F6}"/>
     <dgm:cxn modelId="{18B9454A-0AC9-4106-8A07-ADDC3055291D}" type="presOf" srcId="{BF9E6173-593F-45F9-ABED-363BD96824EE}" destId="{33661B70-ADC5-4779-82C2-08E6740C99A2}" srcOrd="0" destOrd="0" presId="urn:microsoft.com/office/officeart/2005/8/layout/vList6"/>
     <dgm:cxn modelId="{85E42211-2290-4512-A9CF-E501590BC3B7}" type="presOf" srcId="{2D915F47-9ABA-4965-B322-4E15F6510AF4}" destId="{44E794B9-0F5B-41C6-953C-1548AAED9C44}" srcOrd="0" destOrd="0" presId="urn:microsoft.com/office/officeart/2005/8/layout/vList6"/>
     <dgm:cxn modelId="{D09DE967-3E80-41C8-86D0-C62EE4F3974D}" type="presOf" srcId="{1D6B9BC6-EF72-4322-AEC1-B3B23EC11E30}" destId="{00F23754-68FA-427A-9C6F-4E4CE23A687A}" srcOrd="0" destOrd="2" presId="urn:microsoft.com/office/officeart/2005/8/layout/vList6"/>
@@ -3029,8 +3058,8 @@
     <dgm:cxn modelId="{B89497E9-A57E-4A78-AA93-469EA2F4AAE4}" srcId="{FB6B9333-3118-4AAE-8AA1-BEFBBD980A63}" destId="{963C69D3-6900-4A19-8628-767CE91AB8EA}" srcOrd="1" destOrd="0" parTransId="{F5C97BB5-3D5A-425A-BEBA-361EFBFD320B}" sibTransId="{5D0F1E9A-6111-4DE5-8EE5-3B62F77D2DA7}"/>
     <dgm:cxn modelId="{94C9C6AB-5C35-4428-BC4D-8BEBBB863847}" type="presOf" srcId="{FB6B9333-3118-4AAE-8AA1-BEFBBD980A63}" destId="{BB1B07EF-2B60-4C74-AADA-C796F63908E0}" srcOrd="0" destOrd="0" presId="urn:microsoft.com/office/officeart/2005/8/layout/vList6"/>
     <dgm:cxn modelId="{DD564F4B-7089-4A93-A38C-55FA22D4E92C}" srcId="{963C69D3-6900-4A19-8628-767CE91AB8EA}" destId="{2D915F47-9ABA-4965-B322-4E15F6510AF4}" srcOrd="0" destOrd="0" parTransId="{64991C01-242C-44FB-B3FD-16D84164E1C5}" sibTransId="{578B0381-6F45-4B75-B292-5B779D05A939}"/>
+    <dgm:cxn modelId="{F8D2EF9E-BDEE-4678-A8F8-38C22B9CF173}" srcId="{BF9E6173-593F-45F9-ABED-363BD96824EE}" destId="{F8248A93-7E0D-48F8-BB32-3B066A9FD0C6}" srcOrd="0" destOrd="0" parTransId="{62720A01-47FF-49E3-9E9B-DEB76E0BA8E6}" sibTransId="{118CB731-679C-4C2F-BF8B-5E72810DC861}"/>
     <dgm:cxn modelId="{AF9457A3-1734-4621-9407-B84F2778A6E8}" type="presOf" srcId="{E80023FF-B9D1-4A3E-A93E-3C5A695576F7}" destId="{00F23754-68FA-427A-9C6F-4E4CE23A687A}" srcOrd="0" destOrd="1" presId="urn:microsoft.com/office/officeart/2005/8/layout/vList6"/>
-    <dgm:cxn modelId="{F8D2EF9E-BDEE-4678-A8F8-38C22B9CF173}" srcId="{BF9E6173-593F-45F9-ABED-363BD96824EE}" destId="{F8248A93-7E0D-48F8-BB32-3B066A9FD0C6}" srcOrd="0" destOrd="0" parTransId="{62720A01-47FF-49E3-9E9B-DEB76E0BA8E6}" sibTransId="{118CB731-679C-4C2F-BF8B-5E72810DC861}"/>
     <dgm:cxn modelId="{B56D85A2-4E9D-43B1-B5FD-E30C261371F3}" type="presParOf" srcId="{BB1B07EF-2B60-4C74-AADA-C796F63908E0}" destId="{AA3F6572-7EB7-457E-8F0A-4842F6FD611E}" srcOrd="0" destOrd="0" presId="urn:microsoft.com/office/officeart/2005/8/layout/vList6"/>
     <dgm:cxn modelId="{CBB13D19-0DD4-45A0-94CE-1E1F51C79A8C}" type="presParOf" srcId="{AA3F6572-7EB7-457E-8F0A-4842F6FD611E}" destId="{E38123E8-F46B-492C-889A-064B7F90CD55}" srcOrd="0" destOrd="0" presId="urn:microsoft.com/office/officeart/2005/8/layout/vList6"/>
     <dgm:cxn modelId="{F858DAFF-B758-4515-8436-814448F57195}" type="presParOf" srcId="{AA3F6572-7EB7-457E-8F0A-4842F6FD611E}" destId="{611E8F6D-94A6-4976-9E0E-21FAF293347E}" srcOrd="1" destOrd="0" presId="urn:microsoft.com/office/officeart/2005/8/layout/vList6"/>
@@ -3171,6 +3200,43 @@
         </a:p>
       </dgm:t>
     </dgm:pt>
+    <dgm:pt modelId="{717523C7-D282-4B1F-9A06-68C853BA3019}">
+      <dgm:prSet phldrT="[Texte]"/>
+      <dgm:spPr/>
+      <dgm:t>
+        <a:bodyPr/>
+        <a:lstStyle/>
+        <a:p>
+          <a:r>
+            <a:rPr lang="fr-FR" dirty="0" smtClean="0"/>
+            <a:t>Transfert de la connaissance</a:t>
+          </a:r>
+          <a:endParaRPr lang="fr-FR" dirty="0"/>
+        </a:p>
+      </dgm:t>
+    </dgm:pt>
+    <dgm:pt modelId="{1CECE030-AD16-487D-928D-73116B48A6D6}" type="parTrans" cxnId="{B3E01CF1-0194-41A5-B382-1DF8024D11EC}">
+      <dgm:prSet/>
+      <dgm:spPr/>
+      <dgm:t>
+        <a:bodyPr/>
+        <a:lstStyle/>
+        <a:p>
+          <a:endParaRPr lang="fr-FR"/>
+        </a:p>
+      </dgm:t>
+    </dgm:pt>
+    <dgm:pt modelId="{9EC5E685-C59F-40D0-9F68-727DFDD276A7}" type="sibTrans" cxnId="{B3E01CF1-0194-41A5-B382-1DF8024D11EC}">
+      <dgm:prSet/>
+      <dgm:spPr/>
+      <dgm:t>
+        <a:bodyPr/>
+        <a:lstStyle/>
+        <a:p>
+          <a:endParaRPr lang="fr-FR"/>
+        </a:p>
+      </dgm:t>
+    </dgm:pt>
     <dgm:pt modelId="{ACA593B5-A20F-44A2-A35D-482F1E5D063A}" type="pres">
       <dgm:prSet presAssocID="{B47AB665-5F2C-400D-84E3-2AF0C57E0715}" presName="Name0" presStyleCnt="0">
         <dgm:presLayoutVars>
@@ -3193,15 +3259,22 @@
       <dgm:spPr/>
     </dgm:pt>
     <dgm:pt modelId="{A5B97B9B-CEEA-4CE5-ACE9-65429C341388}" type="pres">
-      <dgm:prSet presAssocID="{DFBD00DE-063D-4DF3-892B-F1A29EA6C969}" presName="textA" presStyleLbl="revTx" presStyleIdx="0" presStyleCnt="3">
+      <dgm:prSet presAssocID="{DFBD00DE-063D-4DF3-892B-F1A29EA6C969}" presName="textA" presStyleLbl="revTx" presStyleIdx="0" presStyleCnt="4">
         <dgm:presLayoutVars>
           <dgm:bulletEnabled val="1"/>
         </dgm:presLayoutVars>
       </dgm:prSet>
       <dgm:spPr/>
+      <dgm:t>
+        <a:bodyPr/>
+        <a:lstStyle/>
+        <a:p>
+          <a:endParaRPr lang="fr-FR"/>
+        </a:p>
+      </dgm:t>
     </dgm:pt>
     <dgm:pt modelId="{C31AD2BB-B44F-4BF4-B1FF-153B1CA166D6}" type="pres">
-      <dgm:prSet presAssocID="{DFBD00DE-063D-4DF3-892B-F1A29EA6C969}" presName="circleA" presStyleLbl="node1" presStyleIdx="0" presStyleCnt="3"/>
+      <dgm:prSet presAssocID="{DFBD00DE-063D-4DF3-892B-F1A29EA6C969}" presName="circleA" presStyleLbl="node1" presStyleIdx="0" presStyleCnt="4"/>
       <dgm:spPr/>
     </dgm:pt>
     <dgm:pt modelId="{541C0A23-57E0-41FC-BD60-61C37D1FBE89}" type="pres">
@@ -3217,7 +3290,7 @@
       <dgm:spPr/>
     </dgm:pt>
     <dgm:pt modelId="{27C04647-0828-469E-9F1F-02D7AC3DDC88}" type="pres">
-      <dgm:prSet presAssocID="{F67D49F2-949E-4E7C-B7F3-9DE65B4A6CBF}" presName="textB" presStyleLbl="revTx" presStyleIdx="1" presStyleCnt="3">
+      <dgm:prSet presAssocID="{F67D49F2-949E-4E7C-B7F3-9DE65B4A6CBF}" presName="textB" presStyleLbl="revTx" presStyleIdx="1" presStyleCnt="4">
         <dgm:presLayoutVars>
           <dgm:bulletEnabled val="1"/>
         </dgm:presLayoutVars>
@@ -3232,7 +3305,7 @@
       </dgm:t>
     </dgm:pt>
     <dgm:pt modelId="{75AED046-82F7-4101-BDF5-E2655F3EEC6F}" type="pres">
-      <dgm:prSet presAssocID="{F67D49F2-949E-4E7C-B7F3-9DE65B4A6CBF}" presName="circleB" presStyleLbl="node1" presStyleIdx="1" presStyleCnt="3"/>
+      <dgm:prSet presAssocID="{F67D49F2-949E-4E7C-B7F3-9DE65B4A6CBF}" presName="circleB" presStyleLbl="node1" presStyleIdx="1" presStyleCnt="4"/>
       <dgm:spPr/>
     </dgm:pt>
     <dgm:pt modelId="{69740231-C17C-4625-AA00-1DA4ABE5CEC0}" type="pres">
@@ -3248,19 +3321,57 @@
       <dgm:spPr/>
     </dgm:pt>
     <dgm:pt modelId="{3E41E494-B144-4AE0-A19C-240EF8CCB470}" type="pres">
-      <dgm:prSet presAssocID="{AFDE91C5-FC29-4D6A-B204-E78C7C0661D8}" presName="textA" presStyleLbl="revTx" presStyleIdx="2" presStyleCnt="3">
+      <dgm:prSet presAssocID="{AFDE91C5-FC29-4D6A-B204-E78C7C0661D8}" presName="textA" presStyleLbl="revTx" presStyleIdx="2" presStyleCnt="4">
         <dgm:presLayoutVars>
           <dgm:bulletEnabled val="1"/>
         </dgm:presLayoutVars>
       </dgm:prSet>
       <dgm:spPr/>
+      <dgm:t>
+        <a:bodyPr/>
+        <a:lstStyle/>
+        <a:p>
+          <a:endParaRPr lang="fr-FR"/>
+        </a:p>
+      </dgm:t>
     </dgm:pt>
     <dgm:pt modelId="{ADFD66C0-6E95-40D2-AF24-5D0C8437E419}" type="pres">
-      <dgm:prSet presAssocID="{AFDE91C5-FC29-4D6A-B204-E78C7C0661D8}" presName="circleA" presStyleLbl="node1" presStyleIdx="2" presStyleCnt="3"/>
+      <dgm:prSet presAssocID="{AFDE91C5-FC29-4D6A-B204-E78C7C0661D8}" presName="circleA" presStyleLbl="node1" presStyleIdx="2" presStyleCnt="4"/>
       <dgm:spPr/>
     </dgm:pt>
     <dgm:pt modelId="{F80EF1FB-5A84-4D8F-886D-E8B0A6CB49B0}" type="pres">
       <dgm:prSet presAssocID="{AFDE91C5-FC29-4D6A-B204-E78C7C0661D8}" presName="spaceA" presStyleCnt="0"/>
+      <dgm:spPr/>
+    </dgm:pt>
+    <dgm:pt modelId="{320F9446-7720-47A4-A7BF-F1F6BC1C6FB6}" type="pres">
+      <dgm:prSet presAssocID="{E86564C6-37E7-430F-9D5D-15952DB9F419}" presName="space" presStyleCnt="0"/>
+      <dgm:spPr/>
+    </dgm:pt>
+    <dgm:pt modelId="{4774E56D-9E2C-4766-B191-61E76908B816}" type="pres">
+      <dgm:prSet presAssocID="{717523C7-D282-4B1F-9A06-68C853BA3019}" presName="compositeB" presStyleCnt="0"/>
+      <dgm:spPr/>
+    </dgm:pt>
+    <dgm:pt modelId="{F112A14D-8F41-4CE0-AE1F-7F76B44C3E70}" type="pres">
+      <dgm:prSet presAssocID="{717523C7-D282-4B1F-9A06-68C853BA3019}" presName="textB" presStyleLbl="revTx" presStyleIdx="3" presStyleCnt="4">
+        <dgm:presLayoutVars>
+          <dgm:bulletEnabled val="1"/>
+        </dgm:presLayoutVars>
+      </dgm:prSet>
+      <dgm:spPr/>
+      <dgm:t>
+        <a:bodyPr/>
+        <a:lstStyle/>
+        <a:p>
+          <a:endParaRPr lang="fr-FR"/>
+        </a:p>
+      </dgm:t>
+    </dgm:pt>
+    <dgm:pt modelId="{97B31A23-65F5-4487-BFE0-DB18D915EBC0}" type="pres">
+      <dgm:prSet presAssocID="{717523C7-D282-4B1F-9A06-68C853BA3019}" presName="circleB" presStyleLbl="node1" presStyleIdx="3" presStyleCnt="4"/>
+      <dgm:spPr/>
+    </dgm:pt>
+    <dgm:pt modelId="{DC6E1640-9D35-4327-A6F1-7FCC69FF71F1}" type="pres">
+      <dgm:prSet presAssocID="{717523C7-D282-4B1F-9A06-68C853BA3019}" presName="spaceB" presStyleCnt="0"/>
       <dgm:spPr/>
     </dgm:pt>
   </dgm:ptLst>
@@ -3270,6 +3381,8 @@
     <dgm:cxn modelId="{2C1D3C17-DED5-4832-85F3-1F3B366C8828}" type="presOf" srcId="{DFBD00DE-063D-4DF3-892B-F1A29EA6C969}" destId="{A5B97B9B-CEEA-4CE5-ACE9-65429C341388}" srcOrd="0" destOrd="0" presId="urn:microsoft.com/office/officeart/2005/8/layout/hProcess11"/>
     <dgm:cxn modelId="{662893E7-FDE0-4BE9-9B80-BEC83E0E51FD}" srcId="{B47AB665-5F2C-400D-84E3-2AF0C57E0715}" destId="{DFBD00DE-063D-4DF3-892B-F1A29EA6C969}" srcOrd="0" destOrd="0" parTransId="{BEDA8E90-F5E1-46E5-9D86-C2044DBB1015}" sibTransId="{3A521958-97DA-43D0-8B2F-F27EA54E31E5}"/>
     <dgm:cxn modelId="{1A2798CF-1C95-496A-9D64-E633D499A66F}" srcId="{B47AB665-5F2C-400D-84E3-2AF0C57E0715}" destId="{F67D49F2-949E-4E7C-B7F3-9DE65B4A6CBF}" srcOrd="1" destOrd="0" parTransId="{ADECB909-EDA8-4B4C-8544-ED3C45EB4A98}" sibTransId="{A200B54A-5737-454A-A823-21156D408A35}"/>
+    <dgm:cxn modelId="{F95416E0-DBE4-45B2-AB54-8218B022E384}" type="presOf" srcId="{717523C7-D282-4B1F-9A06-68C853BA3019}" destId="{F112A14D-8F41-4CE0-AE1F-7F76B44C3E70}" srcOrd="0" destOrd="0" presId="urn:microsoft.com/office/officeart/2005/8/layout/hProcess11"/>
+    <dgm:cxn modelId="{B3E01CF1-0194-41A5-B382-1DF8024D11EC}" srcId="{B47AB665-5F2C-400D-84E3-2AF0C57E0715}" destId="{717523C7-D282-4B1F-9A06-68C853BA3019}" srcOrd="3" destOrd="0" parTransId="{1CECE030-AD16-487D-928D-73116B48A6D6}" sibTransId="{9EC5E685-C59F-40D0-9F68-727DFDD276A7}"/>
     <dgm:cxn modelId="{E53FEFF7-2D06-4EF5-B362-40C00B545C20}" type="presOf" srcId="{B47AB665-5F2C-400D-84E3-2AF0C57E0715}" destId="{ACA593B5-A20F-44A2-A35D-482F1E5D063A}" srcOrd="0" destOrd="0" presId="urn:microsoft.com/office/officeart/2005/8/layout/hProcess11"/>
     <dgm:cxn modelId="{A11E9078-4499-49CF-8D68-A1B4CF273C00}" srcId="{B47AB665-5F2C-400D-84E3-2AF0C57E0715}" destId="{AFDE91C5-FC29-4D6A-B204-E78C7C0661D8}" srcOrd="2" destOrd="0" parTransId="{CE2113D7-184B-4BE6-8D91-A65C18E5F355}" sibTransId="{E86564C6-37E7-430F-9D5D-15952DB9F419}"/>
     <dgm:cxn modelId="{6DF7F6D0-11B7-44D9-BE72-407099C2E6FE}" type="presParOf" srcId="{ACA593B5-A20F-44A2-A35D-482F1E5D063A}" destId="{5E4064EF-7D4D-49A2-9AFF-ABD018EF4B2F}" srcOrd="0" destOrd="0" presId="urn:microsoft.com/office/officeart/2005/8/layout/hProcess11"/>
@@ -3288,6 +3401,11 @@
     <dgm:cxn modelId="{02156BE6-31E7-4AE0-9384-81DC1702E702}" type="presParOf" srcId="{5BEEC9FB-B612-42EA-A577-4258E177303F}" destId="{3E41E494-B144-4AE0-A19C-240EF8CCB470}" srcOrd="0" destOrd="0" presId="urn:microsoft.com/office/officeart/2005/8/layout/hProcess11"/>
     <dgm:cxn modelId="{AC3A085C-DF88-4C2E-B07E-6D8B7806A7F3}" type="presParOf" srcId="{5BEEC9FB-B612-42EA-A577-4258E177303F}" destId="{ADFD66C0-6E95-40D2-AF24-5D0C8437E419}" srcOrd="1" destOrd="0" presId="urn:microsoft.com/office/officeart/2005/8/layout/hProcess11"/>
     <dgm:cxn modelId="{8685FBE5-F3E6-4957-82DD-6E65093F01AA}" type="presParOf" srcId="{5BEEC9FB-B612-42EA-A577-4258E177303F}" destId="{F80EF1FB-5A84-4D8F-886D-E8B0A6CB49B0}" srcOrd="2" destOrd="0" presId="urn:microsoft.com/office/officeart/2005/8/layout/hProcess11"/>
+    <dgm:cxn modelId="{189BDDC4-09F7-472B-B0CA-1369F5247384}" type="presParOf" srcId="{CE20A33B-D29C-460E-B226-9B431C0995AA}" destId="{320F9446-7720-47A4-A7BF-F1F6BC1C6FB6}" srcOrd="5" destOrd="0" presId="urn:microsoft.com/office/officeart/2005/8/layout/hProcess11"/>
+    <dgm:cxn modelId="{A769885A-D5AE-499C-994C-29BBDCA5A59E}" type="presParOf" srcId="{CE20A33B-D29C-460E-B226-9B431C0995AA}" destId="{4774E56D-9E2C-4766-B191-61E76908B816}" srcOrd="6" destOrd="0" presId="urn:microsoft.com/office/officeart/2005/8/layout/hProcess11"/>
+    <dgm:cxn modelId="{07CBA613-1EEF-4520-888E-5B2B875C2848}" type="presParOf" srcId="{4774E56D-9E2C-4766-B191-61E76908B816}" destId="{F112A14D-8F41-4CE0-AE1F-7F76B44C3E70}" srcOrd="0" destOrd="0" presId="urn:microsoft.com/office/officeart/2005/8/layout/hProcess11"/>
+    <dgm:cxn modelId="{AAADA774-32D5-495F-897C-EFB8CC5416FB}" type="presParOf" srcId="{4774E56D-9E2C-4766-B191-61E76908B816}" destId="{97B31A23-65F5-4487-BFE0-DB18D915EBC0}" srcOrd="1" destOrd="0" presId="urn:microsoft.com/office/officeart/2005/8/layout/hProcess11"/>
+    <dgm:cxn modelId="{4729B6BC-B05D-46F0-959E-BE7282D5B262}" type="presParOf" srcId="{4774E56D-9E2C-4766-B191-61E76908B816}" destId="{DC6E1640-9D35-4327-A6F1-7FCC69FF71F1}" srcOrd="2" destOrd="0" presId="urn:microsoft.com/office/officeart/2005/8/layout/hProcess11"/>
   </dgm:cxnLst>
   <dgm:bg/>
   <dgm:whole/>
@@ -3441,7 +3559,7 @@
         <a:p>
           <a:r>
             <a:rPr lang="fr-FR" dirty="0" smtClean="0"/>
-            <a:t>Déploiement et tests</a:t>
+            <a:t>Déploiement, tests et ajouts de plugins</a:t>
           </a:r>
           <a:endParaRPr lang="fr-FR" dirty="0"/>
         </a:p>
@@ -3477,6 +3595,13 @@
         </dgm:presLayoutVars>
       </dgm:prSet>
       <dgm:spPr/>
+      <dgm:t>
+        <a:bodyPr/>
+        <a:lstStyle/>
+        <a:p>
+          <a:endParaRPr lang="fr-FR"/>
+        </a:p>
+      </dgm:t>
     </dgm:pt>
     <dgm:pt modelId="{CF4F8EF0-CB68-424C-A2F3-4E966700D66C}" type="pres">
       <dgm:prSet presAssocID="{92603882-B2BA-457A-A0FC-A9AFB73594C0}" presName="composite" presStyleCnt="0"/>
@@ -3507,14 +3632,35 @@
         </dgm:presLayoutVars>
       </dgm:prSet>
       <dgm:spPr/>
+      <dgm:t>
+        <a:bodyPr/>
+        <a:lstStyle/>
+        <a:p>
+          <a:endParaRPr lang="fr-FR"/>
+        </a:p>
+      </dgm:t>
     </dgm:pt>
     <dgm:pt modelId="{5AC2AEAD-AE65-4D96-AE4B-98B19BCA0206}" type="pres">
       <dgm:prSet presAssocID="{F6FDD115-D092-4278-8E4D-79EBE7AC5B62}" presName="sibTrans" presStyleLbl="sibTrans2D1" presStyleIdx="0" presStyleCnt="2"/>
       <dgm:spPr/>
+      <dgm:t>
+        <a:bodyPr/>
+        <a:lstStyle/>
+        <a:p>
+          <a:endParaRPr lang="fr-FR"/>
+        </a:p>
+      </dgm:t>
     </dgm:pt>
     <dgm:pt modelId="{CE140CF6-B6A3-4055-B4F1-45EBD3417125}" type="pres">
       <dgm:prSet presAssocID="{F6FDD115-D092-4278-8E4D-79EBE7AC5B62}" presName="connTx" presStyleLbl="sibTrans2D1" presStyleIdx="0" presStyleCnt="2"/>
       <dgm:spPr/>
+      <dgm:t>
+        <a:bodyPr/>
+        <a:lstStyle/>
+        <a:p>
+          <a:endParaRPr lang="fr-FR"/>
+        </a:p>
+      </dgm:t>
     </dgm:pt>
     <dgm:pt modelId="{842191DA-A750-4D7A-AA7C-DAC3C2FE3670}" type="pres">
       <dgm:prSet presAssocID="{71BE2D49-4129-44D6-862E-EA0DB868A48E}" presName="composite" presStyleCnt="0"/>
@@ -3537,6 +3683,13 @@
           </a:stretch>
         </a:blipFill>
       </dgm:spPr>
+      <dgm:t>
+        <a:bodyPr/>
+        <a:lstStyle/>
+        <a:p>
+          <a:endParaRPr lang="fr-FR"/>
+        </a:p>
+      </dgm:t>
     </dgm:pt>
     <dgm:pt modelId="{D4C31E8C-1D4A-43CB-85DF-8C6FE9FDB515}" type="pres">
       <dgm:prSet presAssocID="{71BE2D49-4129-44D6-862E-EA0DB868A48E}" presName="txNode" presStyleLbl="node1" presStyleIdx="1" presStyleCnt="3">
@@ -3545,14 +3698,35 @@
         </dgm:presLayoutVars>
       </dgm:prSet>
       <dgm:spPr/>
+      <dgm:t>
+        <a:bodyPr/>
+        <a:lstStyle/>
+        <a:p>
+          <a:endParaRPr lang="fr-FR"/>
+        </a:p>
+      </dgm:t>
     </dgm:pt>
     <dgm:pt modelId="{0539C10B-D7FB-4481-B16E-463B7DB4B54F}" type="pres">
       <dgm:prSet presAssocID="{BF1DD80E-53BA-4979-9112-16D562B9DF54}" presName="sibTrans" presStyleLbl="sibTrans2D1" presStyleIdx="1" presStyleCnt="2"/>
       <dgm:spPr/>
+      <dgm:t>
+        <a:bodyPr/>
+        <a:lstStyle/>
+        <a:p>
+          <a:endParaRPr lang="fr-FR"/>
+        </a:p>
+      </dgm:t>
     </dgm:pt>
     <dgm:pt modelId="{C4C74007-457D-4820-A086-A26C1EE209C9}" type="pres">
       <dgm:prSet presAssocID="{BF1DD80E-53BA-4979-9112-16D562B9DF54}" presName="connTx" presStyleLbl="sibTrans2D1" presStyleIdx="1" presStyleCnt="2"/>
       <dgm:spPr/>
+      <dgm:t>
+        <a:bodyPr/>
+        <a:lstStyle/>
+        <a:p>
+          <a:endParaRPr lang="fr-FR"/>
+        </a:p>
+      </dgm:t>
     </dgm:pt>
     <dgm:pt modelId="{436B6C52-6F8F-4D11-B905-063562C57C75}" type="pres">
       <dgm:prSet presAssocID="{6103AEB5-61B9-445B-80B2-5184C6F589E7}" presName="composite" presStyleCnt="0"/>
@@ -3583,22 +3757,29 @@
         </dgm:presLayoutVars>
       </dgm:prSet>
       <dgm:spPr/>
+      <dgm:t>
+        <a:bodyPr/>
+        <a:lstStyle/>
+        <a:p>
+          <a:endParaRPr lang="fr-FR"/>
+        </a:p>
+      </dgm:t>
     </dgm:pt>
   </dgm:ptLst>
   <dgm:cxnLst>
+    <dgm:cxn modelId="{BE8FF4C5-EB83-4FB1-8120-E99F795EC4F9}" srcId="{598A212D-1F9E-49E6-9A04-D7156481E5DA}" destId="{71BE2D49-4129-44D6-862E-EA0DB868A48E}" srcOrd="1" destOrd="0" parTransId="{750950CB-4929-4ADA-AEA4-8FEA8627630D}" sibTransId="{BF1DD80E-53BA-4979-9112-16D562B9DF54}"/>
+    <dgm:cxn modelId="{EA9C502C-21E8-4DD3-8071-842A9330AB69}" type="presOf" srcId="{F6FDD115-D092-4278-8E4D-79EBE7AC5B62}" destId="{5AC2AEAD-AE65-4D96-AE4B-98B19BCA0206}" srcOrd="0" destOrd="0" presId="urn:microsoft.com/office/officeart/2005/8/layout/hProcess10"/>
     <dgm:cxn modelId="{52D5F98F-C862-4B65-AE56-DD9AA7591AC0}" type="presOf" srcId="{BF1DD80E-53BA-4979-9112-16D562B9DF54}" destId="{C4C74007-457D-4820-A086-A26C1EE209C9}" srcOrd="1" destOrd="0" presId="urn:microsoft.com/office/officeart/2005/8/layout/hProcess10"/>
-    <dgm:cxn modelId="{EA9C502C-21E8-4DD3-8071-842A9330AB69}" type="presOf" srcId="{F6FDD115-D092-4278-8E4D-79EBE7AC5B62}" destId="{5AC2AEAD-AE65-4D96-AE4B-98B19BCA0206}" srcOrd="0" destOrd="0" presId="urn:microsoft.com/office/officeart/2005/8/layout/hProcess10"/>
+    <dgm:cxn modelId="{A8D7A22F-586F-4A84-BE35-A07DDC3D085C}" type="presOf" srcId="{92603882-B2BA-457A-A0FC-A9AFB73594C0}" destId="{3031EC01-D9F3-418B-B0F0-CF22B52BF947}" srcOrd="0" destOrd="0" presId="urn:microsoft.com/office/officeart/2005/8/layout/hProcess10"/>
+    <dgm:cxn modelId="{A411F721-4422-480C-B54B-AEAD11341A73}" type="presOf" srcId="{F6FDD115-D092-4278-8E4D-79EBE7AC5B62}" destId="{CE140CF6-B6A3-4055-B4F1-45EBD3417125}" srcOrd="1" destOrd="0" presId="urn:microsoft.com/office/officeart/2005/8/layout/hProcess10"/>
+    <dgm:cxn modelId="{66C80554-C72E-4D62-85E5-04AA6F16D3EB}" type="presOf" srcId="{05C9D82D-D551-4E67-B225-355F444767B1}" destId="{3031EC01-D9F3-418B-B0F0-CF22B52BF947}" srcOrd="0" destOrd="1" presId="urn:microsoft.com/office/officeart/2005/8/layout/hProcess10"/>
+    <dgm:cxn modelId="{A4C683F4-4C65-4AAF-B487-4D6A6DCC39F3}" srcId="{598A212D-1F9E-49E6-9A04-D7156481E5DA}" destId="{6103AEB5-61B9-445B-80B2-5184C6F589E7}" srcOrd="2" destOrd="0" parTransId="{57A7FEA8-7C54-43D9-8177-F39BCCF9182B}" sibTransId="{02789E70-DA63-456E-99A8-0298B21A8C37}"/>
+    <dgm:cxn modelId="{6EB3F574-862A-418F-857C-11CD55FBE0EB}" type="presOf" srcId="{598A212D-1F9E-49E6-9A04-D7156481E5DA}" destId="{76F0EBA1-1492-450E-9EEF-F925D89AA195}" srcOrd="0" destOrd="0" presId="urn:microsoft.com/office/officeart/2005/8/layout/hProcess10"/>
+    <dgm:cxn modelId="{A675D43C-D6F0-4CF2-92D2-40FC48256CC6}" srcId="{598A212D-1F9E-49E6-9A04-D7156481E5DA}" destId="{92603882-B2BA-457A-A0FC-A9AFB73594C0}" srcOrd="0" destOrd="0" parTransId="{93C66F77-4517-4401-AD99-226522210EA5}" sibTransId="{F6FDD115-D092-4278-8E4D-79EBE7AC5B62}"/>
+    <dgm:cxn modelId="{1341736A-57B1-4FAA-9D62-D6584F28003D}" type="presOf" srcId="{71BE2D49-4129-44D6-862E-EA0DB868A48E}" destId="{D4C31E8C-1D4A-43CB-85DF-8C6FE9FDB515}" srcOrd="0" destOrd="0" presId="urn:microsoft.com/office/officeart/2005/8/layout/hProcess10"/>
+    <dgm:cxn modelId="{9931ED1B-DBB4-4492-9AE0-0B9AE09330EA}" srcId="{92603882-B2BA-457A-A0FC-A9AFB73594C0}" destId="{05C9D82D-D551-4E67-B225-355F444767B1}" srcOrd="0" destOrd="0" parTransId="{E3BCC630-E620-43C8-8D4A-7E623D342E0B}" sibTransId="{5F56AB15-374A-488F-87AB-DCF9CE20C21B}"/>
+    <dgm:cxn modelId="{6BE8697F-6731-4A44-92EF-E39424700852}" type="presOf" srcId="{6103AEB5-61B9-445B-80B2-5184C6F589E7}" destId="{7CCAE873-C383-4E58-BF33-A5F08B979CEC}" srcOrd="0" destOrd="0" presId="urn:microsoft.com/office/officeart/2005/8/layout/hProcess10"/>
     <dgm:cxn modelId="{68CACFD7-71B0-42D5-BD07-A313BFD506B6}" type="presOf" srcId="{BF1DD80E-53BA-4979-9112-16D562B9DF54}" destId="{0539C10B-D7FB-4481-B16E-463B7DB4B54F}" srcOrd="0" destOrd="0" presId="urn:microsoft.com/office/officeart/2005/8/layout/hProcess10"/>
-    <dgm:cxn modelId="{6EB3F574-862A-418F-857C-11CD55FBE0EB}" type="presOf" srcId="{598A212D-1F9E-49E6-9A04-D7156481E5DA}" destId="{76F0EBA1-1492-450E-9EEF-F925D89AA195}" srcOrd="0" destOrd="0" presId="urn:microsoft.com/office/officeart/2005/8/layout/hProcess10"/>
-    <dgm:cxn modelId="{A8D7A22F-586F-4A84-BE35-A07DDC3D085C}" type="presOf" srcId="{92603882-B2BA-457A-A0FC-A9AFB73594C0}" destId="{3031EC01-D9F3-418B-B0F0-CF22B52BF947}" srcOrd="0" destOrd="0" presId="urn:microsoft.com/office/officeart/2005/8/layout/hProcess10"/>
-    <dgm:cxn modelId="{A4C683F4-4C65-4AAF-B487-4D6A6DCC39F3}" srcId="{598A212D-1F9E-49E6-9A04-D7156481E5DA}" destId="{6103AEB5-61B9-445B-80B2-5184C6F589E7}" srcOrd="2" destOrd="0" parTransId="{57A7FEA8-7C54-43D9-8177-F39BCCF9182B}" sibTransId="{02789E70-DA63-456E-99A8-0298B21A8C37}"/>
-    <dgm:cxn modelId="{6BE8697F-6731-4A44-92EF-E39424700852}" type="presOf" srcId="{6103AEB5-61B9-445B-80B2-5184C6F589E7}" destId="{7CCAE873-C383-4E58-BF33-A5F08B979CEC}" srcOrd="0" destOrd="0" presId="urn:microsoft.com/office/officeart/2005/8/layout/hProcess10"/>
-    <dgm:cxn modelId="{66C80554-C72E-4D62-85E5-04AA6F16D3EB}" type="presOf" srcId="{05C9D82D-D551-4E67-B225-355F444767B1}" destId="{3031EC01-D9F3-418B-B0F0-CF22B52BF947}" srcOrd="0" destOrd="1" presId="urn:microsoft.com/office/officeart/2005/8/layout/hProcess10"/>
-    <dgm:cxn modelId="{BE8FF4C5-EB83-4FB1-8120-E99F795EC4F9}" srcId="{598A212D-1F9E-49E6-9A04-D7156481E5DA}" destId="{71BE2D49-4129-44D6-862E-EA0DB868A48E}" srcOrd="1" destOrd="0" parTransId="{750950CB-4929-4ADA-AEA4-8FEA8627630D}" sibTransId="{BF1DD80E-53BA-4979-9112-16D562B9DF54}"/>
-    <dgm:cxn modelId="{1341736A-57B1-4FAA-9D62-D6584F28003D}" type="presOf" srcId="{71BE2D49-4129-44D6-862E-EA0DB868A48E}" destId="{D4C31E8C-1D4A-43CB-85DF-8C6FE9FDB515}" srcOrd="0" destOrd="0" presId="urn:microsoft.com/office/officeart/2005/8/layout/hProcess10"/>
-    <dgm:cxn modelId="{A675D43C-D6F0-4CF2-92D2-40FC48256CC6}" srcId="{598A212D-1F9E-49E6-9A04-D7156481E5DA}" destId="{92603882-B2BA-457A-A0FC-A9AFB73594C0}" srcOrd="0" destOrd="0" parTransId="{93C66F77-4517-4401-AD99-226522210EA5}" sibTransId="{F6FDD115-D092-4278-8E4D-79EBE7AC5B62}"/>
-    <dgm:cxn modelId="{9931ED1B-DBB4-4492-9AE0-0B9AE09330EA}" srcId="{92603882-B2BA-457A-A0FC-A9AFB73594C0}" destId="{05C9D82D-D551-4E67-B225-355F444767B1}" srcOrd="0" destOrd="0" parTransId="{E3BCC630-E620-43C8-8D4A-7E623D342E0B}" sibTransId="{5F56AB15-374A-488F-87AB-DCF9CE20C21B}"/>
-    <dgm:cxn modelId="{A411F721-4422-480C-B54B-AEAD11341A73}" type="presOf" srcId="{F6FDD115-D092-4278-8E4D-79EBE7AC5B62}" destId="{CE140CF6-B6A3-4055-B4F1-45EBD3417125}" srcOrd="1" destOrd="0" presId="urn:microsoft.com/office/officeart/2005/8/layout/hProcess10"/>
     <dgm:cxn modelId="{A572600A-B036-4AFE-AAC0-A3838CCD4B82}" type="presParOf" srcId="{76F0EBA1-1492-450E-9EEF-F925D89AA195}" destId="{CF4F8EF0-CB68-424C-A2F3-4E966700D66C}" srcOrd="0" destOrd="0" presId="urn:microsoft.com/office/officeart/2005/8/layout/hProcess10"/>
     <dgm:cxn modelId="{BDDF079F-E559-487E-83F6-440A78159AA7}" type="presParOf" srcId="{CF4F8EF0-CB68-424C-A2F3-4E966700D66C}" destId="{E84BC51E-3E7D-493C-9BE4-08549A23B3A9}" srcOrd="0" destOrd="0" presId="urn:microsoft.com/office/officeart/2005/8/layout/hProcess10"/>
     <dgm:cxn modelId="{B1DE242B-E2E3-41C7-B7B7-F8BFF2B4FB02}" type="presParOf" srcId="{CF4F8EF0-CB68-424C-A2F3-4E966700D66C}" destId="{3031EC01-D9F3-418B-B0F0-CF22B52BF947}" srcOrd="1" destOrd="0" presId="urn:microsoft.com/office/officeart/2005/8/layout/hProcess10"/>
@@ -4271,8 +4452,8 @@
       </dsp:nvSpPr>
       <dsp:spPr>
         <a:xfrm>
-          <a:off x="4398" y="0"/>
-          <a:ext cx="2903033" cy="2166902"/>
+          <a:off x="4508" y="0"/>
+          <a:ext cx="2168478" cy="2166902"/>
         </a:xfrm>
         <a:prstGeom prst="rect">
           <a:avLst/>
@@ -4296,12 +4477,12 @@
         <a:fontRef idx="minor"/>
       </dsp:style>
       <dsp:txBody>
-        <a:bodyPr spcFirstLastPara="0" vert="horz" wrap="square" lIns="177800" tIns="177800" rIns="177800" bIns="177800" numCol="1" spcCol="1270" anchor="b" anchorCtr="0">
+        <a:bodyPr spcFirstLastPara="0" vert="horz" wrap="square" lIns="135128" tIns="135128" rIns="135128" bIns="135128" numCol="1" spcCol="1270" anchor="b" anchorCtr="0">
           <a:noAutofit/>
         </a:bodyPr>
         <a:lstStyle/>
         <a:p>
-          <a:pPr lvl="0" algn="ctr" defTabSz="1111250">
+          <a:pPr lvl="0" algn="ctr" defTabSz="844550">
             <a:lnSpc>
               <a:spcPct val="90000"/>
             </a:lnSpc>
@@ -4313,15 +4494,15 @@
             </a:spcAft>
           </a:pPr>
           <a:r>
-            <a:rPr lang="fr-FR" sz="2500" kern="1200" dirty="0" smtClean="0"/>
+            <a:rPr lang="fr-FR" sz="1900" kern="1200" dirty="0" smtClean="0"/>
             <a:t>Documentation</a:t>
           </a:r>
-          <a:endParaRPr lang="fr-FR" sz="2500" kern="1200" dirty="0"/>
+          <a:endParaRPr lang="fr-FR" sz="1900" kern="1200" dirty="0"/>
         </a:p>
       </dsp:txBody>
       <dsp:txXfrm>
-        <a:off x="4398" y="0"/>
-        <a:ext cx="2903033" cy="2166902"/>
+        <a:off x="4508" y="0"/>
+        <a:ext cx="2168478" cy="2166902"/>
       </dsp:txXfrm>
     </dsp:sp>
     <dsp:sp modelId="{C31AD2BB-B44F-4BF4-B1FF-153B1CA166D6}">
@@ -4331,7 +4512,7 @@
       </dsp:nvSpPr>
       <dsp:spPr>
         <a:xfrm>
-          <a:off x="1185052" y="2437765"/>
+          <a:off x="817884" y="2437765"/>
           <a:ext cx="541725" cy="541725"/>
         </a:xfrm>
         <a:prstGeom prst="ellipse">
@@ -4381,8 +4562,8 @@
       </dsp:nvSpPr>
       <dsp:spPr>
         <a:xfrm>
-          <a:off x="3052583" y="3250353"/>
-          <a:ext cx="2903033" cy="2166902"/>
+          <a:off x="2281410" y="3250353"/>
+          <a:ext cx="2168478" cy="2166902"/>
         </a:xfrm>
         <a:prstGeom prst="rect">
           <a:avLst/>
@@ -4406,12 +4587,12 @@
         <a:fontRef idx="minor"/>
       </dsp:style>
       <dsp:txBody>
-        <a:bodyPr spcFirstLastPara="0" vert="horz" wrap="square" lIns="177800" tIns="177800" rIns="177800" bIns="177800" numCol="1" spcCol="1270" anchor="t" anchorCtr="0">
+        <a:bodyPr spcFirstLastPara="0" vert="horz" wrap="square" lIns="135128" tIns="135128" rIns="135128" bIns="135128" numCol="1" spcCol="1270" anchor="t" anchorCtr="0">
           <a:noAutofit/>
         </a:bodyPr>
         <a:lstStyle/>
         <a:p>
-          <a:pPr lvl="0" algn="ctr" defTabSz="1111250">
+          <a:pPr lvl="0" algn="ctr" defTabSz="844550">
             <a:lnSpc>
               <a:spcPct val="90000"/>
             </a:lnSpc>
@@ -4423,15 +4604,15 @@
             </a:spcAft>
           </a:pPr>
           <a:r>
-            <a:rPr lang="fr-FR" sz="2500" kern="1200" dirty="0" smtClean="0"/>
+            <a:rPr lang="fr-FR" sz="1900" kern="1200" dirty="0" smtClean="0"/>
             <a:t>Déploiement sur une machine virtuelle</a:t>
           </a:r>
-          <a:endParaRPr lang="fr-FR" sz="2500" kern="1200" dirty="0"/>
+          <a:endParaRPr lang="fr-FR" sz="1900" kern="1200" dirty="0"/>
         </a:p>
       </dsp:txBody>
       <dsp:txXfrm>
-        <a:off x="3052583" y="3250353"/>
-        <a:ext cx="2903033" cy="2166902"/>
+        <a:off x="2281410" y="3250353"/>
+        <a:ext cx="2168478" cy="2166902"/>
       </dsp:txXfrm>
     </dsp:sp>
     <dsp:sp modelId="{75AED046-82F7-4101-BDF5-E2655F3EEC6F}">
@@ -4441,7 +4622,7 @@
       </dsp:nvSpPr>
       <dsp:spPr>
         <a:xfrm>
-          <a:off x="4233237" y="2437765"/>
+          <a:off x="3094786" y="2437765"/>
           <a:ext cx="541725" cy="541725"/>
         </a:xfrm>
         <a:prstGeom prst="ellipse">
@@ -4491,8 +4672,8 @@
       </dsp:nvSpPr>
       <dsp:spPr>
         <a:xfrm>
-          <a:off x="6100768" y="0"/>
-          <a:ext cx="2903033" cy="2166902"/>
+          <a:off x="4558312" y="0"/>
+          <a:ext cx="2168478" cy="2166902"/>
         </a:xfrm>
         <a:prstGeom prst="rect">
           <a:avLst/>
@@ -4516,12 +4697,12 @@
         <a:fontRef idx="minor"/>
       </dsp:style>
       <dsp:txBody>
-        <a:bodyPr spcFirstLastPara="0" vert="horz" wrap="square" lIns="177800" tIns="177800" rIns="177800" bIns="177800" numCol="1" spcCol="1270" anchor="b" anchorCtr="0">
+        <a:bodyPr spcFirstLastPara="0" vert="horz" wrap="square" lIns="135128" tIns="135128" rIns="135128" bIns="135128" numCol="1" spcCol="1270" anchor="b" anchorCtr="0">
           <a:noAutofit/>
         </a:bodyPr>
         <a:lstStyle/>
         <a:p>
-          <a:pPr lvl="0" algn="ctr" defTabSz="1111250">
+          <a:pPr lvl="0" algn="ctr" defTabSz="844550">
             <a:lnSpc>
               <a:spcPct val="90000"/>
             </a:lnSpc>
@@ -4533,15 +4714,15 @@
             </a:spcAft>
           </a:pPr>
           <a:r>
-            <a:rPr lang="fr-FR" sz="2500" kern="1200" dirty="0" smtClean="0"/>
+            <a:rPr lang="fr-FR" sz="1900" kern="1200" dirty="0" smtClean="0"/>
             <a:t>Déploiement sur un serveur de l’université</a:t>
           </a:r>
-          <a:endParaRPr lang="fr-FR" sz="2500" kern="1200" dirty="0"/>
+          <a:endParaRPr lang="fr-FR" sz="1900" kern="1200" dirty="0"/>
         </a:p>
       </dsp:txBody>
       <dsp:txXfrm>
-        <a:off x="6100768" y="0"/>
-        <a:ext cx="2903033" cy="2166902"/>
+        <a:off x="4558312" y="0"/>
+        <a:ext cx="2168478" cy="2166902"/>
       </dsp:txXfrm>
     </dsp:sp>
     <dsp:sp modelId="{ADFD66C0-6E95-40D2-AF24-5D0C8437E419}">
@@ -4551,7 +4732,117 @@
       </dsp:nvSpPr>
       <dsp:spPr>
         <a:xfrm>
-          <a:off x="7281422" y="2437765"/>
+          <a:off x="5371688" y="2437765"/>
+          <a:ext cx="541725" cy="541725"/>
+        </a:xfrm>
+        <a:prstGeom prst="ellipse">
+          <a:avLst/>
+        </a:prstGeom>
+        <a:solidFill>
+          <a:schemeClr val="accent1">
+            <a:hueOff val="0"/>
+            <a:satOff val="0"/>
+            <a:lumOff val="0"/>
+            <a:alphaOff val="0"/>
+          </a:schemeClr>
+        </a:solidFill>
+        <a:ln w="12700" cap="flat" cmpd="sng" algn="ctr">
+          <a:solidFill>
+            <a:schemeClr val="lt1">
+              <a:hueOff val="0"/>
+              <a:satOff val="0"/>
+              <a:lumOff val="0"/>
+              <a:alphaOff val="0"/>
+            </a:schemeClr>
+          </a:solidFill>
+          <a:prstDash val="solid"/>
+          <a:miter lim="800000"/>
+        </a:ln>
+        <a:effectLst/>
+      </dsp:spPr>
+      <dsp:style>
+        <a:lnRef idx="2">
+          <a:scrgbClr r="0" g="0" b="0"/>
+        </a:lnRef>
+        <a:fillRef idx="1">
+          <a:scrgbClr r="0" g="0" b="0"/>
+        </a:fillRef>
+        <a:effectRef idx="0">
+          <a:scrgbClr r="0" g="0" b="0"/>
+        </a:effectRef>
+        <a:fontRef idx="minor">
+          <a:schemeClr val="lt1"/>
+        </a:fontRef>
+      </dsp:style>
+    </dsp:sp>
+    <dsp:sp modelId="{F112A14D-8F41-4CE0-AE1F-7F76B44C3E70}">
+      <dsp:nvSpPr>
+        <dsp:cNvPr id="0" name=""/>
+        <dsp:cNvSpPr/>
+      </dsp:nvSpPr>
+      <dsp:spPr>
+        <a:xfrm>
+          <a:off x="6835214" y="3250353"/>
+          <a:ext cx="2168478" cy="2166902"/>
+        </a:xfrm>
+        <a:prstGeom prst="rect">
+          <a:avLst/>
+        </a:prstGeom>
+        <a:noFill/>
+        <a:ln>
+          <a:noFill/>
+        </a:ln>
+        <a:effectLst/>
+      </dsp:spPr>
+      <dsp:style>
+        <a:lnRef idx="0">
+          <a:scrgbClr r="0" g="0" b="0"/>
+        </a:lnRef>
+        <a:fillRef idx="0">
+          <a:scrgbClr r="0" g="0" b="0"/>
+        </a:fillRef>
+        <a:effectRef idx="0">
+          <a:scrgbClr r="0" g="0" b="0"/>
+        </a:effectRef>
+        <a:fontRef idx="minor"/>
+      </dsp:style>
+      <dsp:txBody>
+        <a:bodyPr spcFirstLastPara="0" vert="horz" wrap="square" lIns="135128" tIns="135128" rIns="135128" bIns="135128" numCol="1" spcCol="1270" anchor="t" anchorCtr="0">
+          <a:noAutofit/>
+        </a:bodyPr>
+        <a:lstStyle/>
+        <a:p>
+          <a:pPr lvl="0" algn="ctr" defTabSz="844550">
+            <a:lnSpc>
+              <a:spcPct val="90000"/>
+            </a:lnSpc>
+            <a:spcBef>
+              <a:spcPct val="0"/>
+            </a:spcBef>
+            <a:spcAft>
+              <a:spcPct val="35000"/>
+            </a:spcAft>
+          </a:pPr>
+          <a:r>
+            <a:rPr lang="fr-FR" sz="1900" kern="1200" dirty="0" smtClean="0"/>
+            <a:t>Transfert de la connaissance</a:t>
+          </a:r>
+          <a:endParaRPr lang="fr-FR" sz="1900" kern="1200" dirty="0"/>
+        </a:p>
+      </dsp:txBody>
+      <dsp:txXfrm>
+        <a:off x="6835214" y="3250353"/>
+        <a:ext cx="2168478" cy="2166902"/>
+      </dsp:txXfrm>
+    </dsp:sp>
+    <dsp:sp modelId="{97B31A23-65F5-4487-BFE0-DB18D915EBC0}">
+      <dsp:nvSpPr>
+        <dsp:cNvPr id="0" name=""/>
+        <dsp:cNvSpPr/>
+      </dsp:nvSpPr>
+      <dsp:spPr>
+        <a:xfrm>
+          <a:off x="7648590" y="2437765"/>
           <a:ext cx="541725" cy="541725"/>
         </a:xfrm>
         <a:prstGeom prst="ellipse">
@@ -4713,12 +5004,12 @@
         </a:fontRef>
       </dsp:style>
       <dsp:txBody>
-        <a:bodyPr spcFirstLastPara="0" vert="horz" wrap="square" lIns="76200" tIns="76200" rIns="76200" bIns="76200" numCol="1" spcCol="1270" anchor="t" anchorCtr="0">
+        <a:bodyPr spcFirstLastPara="0" vert="horz" wrap="square" lIns="72390" tIns="72390" rIns="72390" bIns="72390" numCol="1" spcCol="1270" anchor="t" anchorCtr="0">
           <a:noAutofit/>
         </a:bodyPr>
         <a:lstStyle/>
         <a:p>
-          <a:pPr lvl="0" algn="l" defTabSz="889000">
+          <a:pPr lvl="0" algn="l" defTabSz="844550">
             <a:lnSpc>
               <a:spcPct val="90000"/>
             </a:lnSpc>
@@ -4730,13 +5021,13 @@
             </a:spcAft>
           </a:pPr>
           <a:r>
-            <a:rPr lang="fr-FR" sz="2000" kern="1200" dirty="0" smtClean="0"/>
+            <a:rPr lang="fr-FR" sz="1900" kern="1200" dirty="0" smtClean="0"/>
             <a:t>Prise de contact </a:t>
           </a:r>
-          <a:endParaRPr lang="fr-FR" sz="2000" kern="1200" dirty="0"/>
+          <a:endParaRPr lang="fr-FR" sz="1900" kern="1200" dirty="0"/>
         </a:p>
         <a:p>
-          <a:pPr marL="171450" lvl="1" indent="-171450" algn="l" defTabSz="711200">
+          <a:pPr marL="114300" lvl="1" indent="-114300" algn="l" defTabSz="666750">
             <a:lnSpc>
               <a:spcPct val="90000"/>
             </a:lnSpc>
@@ -4748,7 +5039,7 @@
             </a:spcAft>
             <a:buChar char="••"/>
           </a:pPr>
-          <a:endParaRPr lang="fr-FR" sz="1600" kern="1200" dirty="0"/>
+          <a:endParaRPr lang="fr-FR" sz="1500" kern="1200" dirty="0"/>
         </a:p>
       </dsp:txBody>
       <dsp:txXfrm>
@@ -4806,7 +5097,7 @@
         </a:bodyPr>
         <a:lstStyle/>
         <a:p>
-          <a:pPr lvl="0" algn="ctr" defTabSz="711200">
+          <a:pPr lvl="0" algn="ctr" defTabSz="666750">
             <a:lnSpc>
               <a:spcPct val="90000"/>
             </a:lnSpc>
@@ -4817,7 +5108,7 @@
               <a:spcPct val="35000"/>
             </a:spcAft>
           </a:pPr>
-          <a:endParaRPr lang="fr-FR" sz="1600" kern="1200"/>
+          <a:endParaRPr lang="fr-FR" sz="1500" kern="1200"/>
         </a:p>
       </dsp:txBody>
       <dsp:txXfrm>
@@ -4932,12 +5223,12 @@
         </a:fontRef>
       </dsp:style>
       <dsp:txBody>
-        <a:bodyPr spcFirstLastPara="0" vert="horz" wrap="square" lIns="76200" tIns="76200" rIns="76200" bIns="76200" numCol="1" spcCol="1270" anchor="ctr" anchorCtr="0">
+        <a:bodyPr spcFirstLastPara="0" vert="horz" wrap="square" lIns="72390" tIns="72390" rIns="72390" bIns="72390" numCol="1" spcCol="1270" anchor="ctr" anchorCtr="0">
           <a:noAutofit/>
         </a:bodyPr>
         <a:lstStyle/>
         <a:p>
-          <a:pPr lvl="0" algn="ctr" defTabSz="889000">
+          <a:pPr lvl="0" algn="ctr" defTabSz="844550">
             <a:lnSpc>
               <a:spcPct val="90000"/>
             </a:lnSpc>
@@ -4949,22 +5240,22 @@
             </a:spcAft>
           </a:pPr>
           <a:r>
-            <a:rPr lang="fr-FR" sz="2000" kern="1200" dirty="0" smtClean="0"/>
+            <a:rPr lang="fr-FR" sz="1900" kern="1200" dirty="0" smtClean="0"/>
             <a:t>Mise à disposition d’une </a:t>
           </a:r>
           <a:r>
-            <a:rPr lang="fr-FR" sz="2000" kern="1200" dirty="0" err="1" smtClean="0"/>
+            <a:rPr lang="fr-FR" sz="1900" kern="1200" dirty="0" err="1" smtClean="0"/>
             <a:t>Vm</a:t>
           </a:r>
           <a:r>
-            <a:rPr lang="fr-FR" sz="2000" kern="1200" dirty="0" smtClean="0"/>
+            <a:rPr lang="fr-FR" sz="1900" kern="1200" dirty="0" smtClean="0"/>
             <a:t> par Mr </a:t>
           </a:r>
           <a:r>
-            <a:rPr lang="fr-FR" sz="2000" kern="1200" dirty="0" err="1" smtClean="0"/>
+            <a:rPr lang="fr-FR" sz="1900" kern="1200" dirty="0" err="1" smtClean="0"/>
             <a:t>Hanichi</a:t>
           </a:r>
-          <a:endParaRPr lang="fr-FR" sz="2000" kern="1200" dirty="0"/>
+          <a:endParaRPr lang="fr-FR" sz="1900" kern="1200" dirty="0"/>
         </a:p>
       </dsp:txBody>
       <dsp:txXfrm>
@@ -5022,7 +5313,7 @@
         </a:bodyPr>
         <a:lstStyle/>
         <a:p>
-          <a:pPr lvl="0" algn="ctr" defTabSz="711200">
+          <a:pPr lvl="0" algn="ctr" defTabSz="666750">
             <a:lnSpc>
               <a:spcPct val="90000"/>
             </a:lnSpc>
@@ -5033,7 +5324,7 @@
               <a:spcPct val="35000"/>
             </a:spcAft>
           </a:pPr>
-          <a:endParaRPr lang="fr-FR" sz="1600" kern="1200"/>
+          <a:endParaRPr lang="fr-FR" sz="1500" kern="1200"/>
         </a:p>
       </dsp:txBody>
       <dsp:txXfrm>
@@ -5148,12 +5439,12 @@
         </a:fontRef>
       </dsp:style>
       <dsp:txBody>
-        <a:bodyPr spcFirstLastPara="0" vert="horz" wrap="square" lIns="76200" tIns="76200" rIns="76200" bIns="76200" numCol="1" spcCol="1270" anchor="ctr" anchorCtr="0">
+        <a:bodyPr spcFirstLastPara="0" vert="horz" wrap="square" lIns="72390" tIns="72390" rIns="72390" bIns="72390" numCol="1" spcCol="1270" anchor="ctr" anchorCtr="0">
           <a:noAutofit/>
         </a:bodyPr>
         <a:lstStyle/>
         <a:p>
-          <a:pPr lvl="0" algn="ctr" defTabSz="889000">
+          <a:pPr lvl="0" algn="ctr" defTabSz="844550">
             <a:lnSpc>
               <a:spcPct val="90000"/>
             </a:lnSpc>
@@ -5165,10 +5456,10 @@
             </a:spcAft>
           </a:pPr>
           <a:r>
-            <a:rPr lang="fr-FR" sz="2000" kern="1200" dirty="0" smtClean="0"/>
-            <a:t>Déploiement et tests</a:t>
+            <a:rPr lang="fr-FR" sz="1900" kern="1200" dirty="0" smtClean="0"/>
+            <a:t>Déploiement, tests et ajouts de plugins</a:t>
           </a:r>
-          <a:endParaRPr lang="fr-FR" sz="2000" kern="1200" dirty="0"/>
+          <a:endParaRPr lang="fr-FR" sz="1900" kern="1200" dirty="0"/>
         </a:p>
       </dsp:txBody>
       <dsp:txXfrm>
@@ -10026,7 +10317,7 @@
     </p:spTree>
     <p:extLst>
       <p:ext uri="{BB962C8B-B14F-4D97-AF65-F5344CB8AC3E}">
-        <p14:creationId xmlns:p14="http://schemas.microsoft.com/office/powerpoint/2010/main" val="3799462105"/>
+        <p14:creationId xmlns:p14="http://schemas.microsoft.com/office/powerpoint/2010/main" val="4265056330"/>
       </p:ext>
     </p:extLst>
   </p:cSld>
@@ -10111,7 +10402,7 @@
     </p:spTree>
     <p:extLst>
       <p:ext uri="{BB962C8B-B14F-4D97-AF65-F5344CB8AC3E}">
-        <p14:creationId xmlns:p14="http://schemas.microsoft.com/office/powerpoint/2010/main" val="319261224"/>
+        <p14:creationId xmlns:p14="http://schemas.microsoft.com/office/powerpoint/2010/main" val="3799462105"/>
       </p:ext>
     </p:extLst>
   </p:cSld>
@@ -10196,7 +10487,7 @@
     </p:spTree>
     <p:extLst>
       <p:ext uri="{BB962C8B-B14F-4D97-AF65-F5344CB8AC3E}">
-        <p14:creationId xmlns:p14="http://schemas.microsoft.com/office/powerpoint/2010/main" val="383609628"/>
+        <p14:creationId xmlns:p14="http://schemas.microsoft.com/office/powerpoint/2010/main" val="319261224"/>
       </p:ext>
     </p:extLst>
   </p:cSld>
@@ -10273,6 +10564,91 @@
             <a:fld id="{F93199CD-3E1B-4AE6-990F-76F925F5EA9F}" type="slidenum">
               <a:rPr lang="fr-FR" smtClean="0"/>
               <a:t>17</a:t>
+            </a:fld>
+            <a:endParaRPr lang="fr-FR" dirty="0"/>
+          </a:p>
+        </p:txBody>
+      </p:sp>
+    </p:spTree>
+    <p:extLst>
+      <p:ext uri="{BB962C8B-B14F-4D97-AF65-F5344CB8AC3E}">
+        <p14:creationId xmlns:p14="http://schemas.microsoft.com/office/powerpoint/2010/main" val="383609628"/>
+      </p:ext>
+    </p:extLst>
+  </p:cSld>
+  <p:clrMapOvr>
+    <a:masterClrMapping/>
+  </p:clrMapOvr>
+</p:notes>
+</file>
+
+<file path=ppt/notesSlides/notesSlide18.xml><?xml version="1.0" encoding="utf-8"?>
+<p:notes xmlns:a="http://schemas.openxmlformats.org/drawingml/2006/main" xmlns:r="http://schemas.openxmlformats.org/officeDocument/2006/relationships" xmlns:p="http://schemas.openxmlformats.org/presentationml/2006/main">
+  <p:cSld>
+    <p:spTree>
+      <p:nvGrpSpPr>
+        <p:cNvPr id="1" name=""/>
+        <p:cNvGrpSpPr/>
+        <p:nvPr/>
+      </p:nvGrpSpPr>
+      <p:grpSpPr>
+        <a:xfrm>
+          <a:off x="0" y="0"/>
+          <a:ext cx="0" cy="0"/>
+          <a:chOff x="0" y="0"/>
+          <a:chExt cx="0" cy="0"/>
+        </a:xfrm>
+      </p:grpSpPr>
+      <p:sp>
+        <p:nvSpPr>
+          <p:cNvPr id="2" name="Espace réservé d’image de diapositive 1"/>
+          <p:cNvSpPr>
+            <a:spLocks noGrp="1" noRot="1" noChangeAspect="1"/>
+          </p:cNvSpPr>
+          <p:nvPr>
+            <p:ph type="sldImg"/>
+          </p:nvPr>
+        </p:nvSpPr>
+        <p:spPr/>
+      </p:sp>
+      <p:sp>
+        <p:nvSpPr>
+          <p:cNvPr id="3" name="Espace réservé des notes 2"/>
+          <p:cNvSpPr>
+            <a:spLocks noGrp="1"/>
+          </p:cNvSpPr>
+          <p:nvPr>
+            <p:ph type="body" idx="1"/>
+          </p:nvPr>
+        </p:nvSpPr>
+        <p:spPr/>
+        <p:txBody>
+          <a:bodyPr/>
+          <a:lstStyle/>
+          <a:p>
+            <a:endParaRPr lang="fr-FR" dirty="0"/>
+          </a:p>
+        </p:txBody>
+      </p:sp>
+      <p:sp>
+        <p:nvSpPr>
+          <p:cNvPr id="4" name="Espace réservé du numéro de diapositive 3"/>
+          <p:cNvSpPr>
+            <a:spLocks noGrp="1"/>
+          </p:cNvSpPr>
+          <p:nvPr>
+            <p:ph type="sldNum" sz="quarter" idx="10"/>
+          </p:nvPr>
+        </p:nvSpPr>
+        <p:spPr/>
+        <p:txBody>
+          <a:bodyPr/>
+          <a:lstStyle/>
+          <a:p>
+            <a:pPr rtl="0"/>
+            <a:fld id="{F93199CD-3E1B-4AE6-990F-76F925F5EA9F}" type="slidenum">
+              <a:rPr lang="fr-FR" smtClean="0"/>
+              <a:t>18</a:t>
             </a:fld>
             <a:endParaRPr lang="fr-FR" dirty="0"/>
           </a:p>
@@ -15350,7 +15726,7 @@
           <p:nvPr>
             <p:extLst>
               <p:ext uri="{D42A27DB-BD31-4B8C-83A1-F6EECF244321}">
-                <p14:modId xmlns:p14="http://schemas.microsoft.com/office/powerpoint/2010/main" val="4034458154"/>
+                <p14:modId xmlns:p14="http://schemas.microsoft.com/office/powerpoint/2010/main" val="3426443948"/>
               </p:ext>
             </p:extLst>
           </p:nvPr>
@@ -15424,7 +15800,12 @@
             <p:ph type="title"/>
           </p:nvPr>
         </p:nvSpPr>
-        <p:spPr/>
+        <p:spPr>
+          <a:xfrm>
+            <a:off x="1845940" y="476672"/>
+            <a:ext cx="9144001" cy="1371600"/>
+          </a:xfrm>
+        </p:spPr>
         <p:txBody>
           <a:bodyPr rtlCol="0"/>
           <a:lstStyle/>
@@ -15432,60 +15813,48 @@
             <a:pPr rtl="0"/>
             <a:r>
               <a:rPr lang="fr-FR" dirty="0" smtClean="0"/>
-              <a:t>Difficultés rencontrées</a:t>
+              <a:t>4) </a:t>
+            </a:r>
+            <a:r>
+              <a:rPr lang="fr-FR" dirty="0" err="1" smtClean="0"/>
+              <a:t>Knowledge</a:t>
+            </a:r>
+            <a:r>
+              <a:rPr lang="fr-FR" dirty="0" smtClean="0"/>
+              <a:t> management</a:t>
             </a:r>
             <a:endParaRPr lang="fr-FR" dirty="0"/>
           </a:p>
         </p:txBody>
       </p:sp>
-      <p:sp>
-        <p:nvSpPr>
-          <p:cNvPr id="2" name="Espace réservé du contenu 1"/>
-          <p:cNvSpPr>
-            <a:spLocks noGrp="1"/>
-          </p:cNvSpPr>
-          <p:nvPr>
-            <p:ph idx="1"/>
-          </p:nvPr>
-        </p:nvSpPr>
-        <p:spPr/>
-        <p:txBody>
-          <a:bodyPr/>
-          <a:lstStyle/>
-          <a:p>
-            <a:endParaRPr lang="fr-FR" dirty="0" smtClean="0"/>
-          </a:p>
-          <a:p>
-            <a:r>
-              <a:rPr lang="fr-FR" dirty="0" smtClean="0"/>
-              <a:t>Non prise en compte de versions logicielle postérieure (Debian)</a:t>
-            </a:r>
-          </a:p>
-          <a:p>
-            <a:r>
-              <a:rPr lang="fr-FR" dirty="0" smtClean="0"/>
-              <a:t>Connexion serveur SMTP</a:t>
-            </a:r>
-          </a:p>
-          <a:p>
-            <a:r>
-              <a:rPr lang="fr-FR" dirty="0" smtClean="0"/>
-              <a:t>Système de plugin</a:t>
-            </a:r>
-            <a:endParaRPr lang="fr-FR" dirty="0" smtClean="0"/>
-          </a:p>
-          <a:p>
-            <a:endParaRPr lang="fr-FR" dirty="0"/>
-          </a:p>
-          <a:p>
-            <a:endParaRPr lang="fr-FR" dirty="0" smtClean="0"/>
-          </a:p>
-        </p:txBody>
-      </p:sp>
+      <p:pic>
+        <p:nvPicPr>
+          <p:cNvPr id="4" name="Image 3"/>
+          <p:cNvPicPr>
+            <a:picLocks noChangeAspect="1"/>
+          </p:cNvPicPr>
+          <p:nvPr/>
+        </p:nvPicPr>
+        <p:blipFill>
+          <a:blip r:embed="rId3"/>
+          <a:stretch>
+            <a:fillRect/>
+          </a:stretch>
+        </p:blipFill>
+        <p:spPr>
+          <a:xfrm>
+            <a:off x="1413892" y="2348880"/>
+            <a:ext cx="9199750" cy="3473202"/>
+          </a:xfrm>
+          <a:prstGeom prst="rect">
+            <a:avLst/>
+          </a:prstGeom>
+        </p:spPr>
+      </p:pic>
     </p:spTree>
     <p:extLst>
       <p:ext uri="{BB962C8B-B14F-4D97-AF65-F5344CB8AC3E}">
-        <p14:creationId xmlns:p14="http://schemas.microsoft.com/office/powerpoint/2010/main" val="2374880568"/>
+        <p14:creationId xmlns:p14="http://schemas.microsoft.com/office/powerpoint/2010/main" val="1039837109"/>
       </p:ext>
     </p:extLst>
   </p:cSld>
@@ -15549,7 +15918,7 @@
             <a:pPr rtl="0"/>
             <a:r>
               <a:rPr lang="fr-FR" dirty="0" smtClean="0"/>
-              <a:t>Poursuite du projet</a:t>
+              <a:t>Difficultés rencontrées</a:t>
             </a:r>
             <a:endParaRPr lang="fr-FR" dirty="0"/>
           </a:p>
@@ -15575,14 +15944,22 @@
           <a:p>
             <a:r>
               <a:rPr lang="fr-FR" dirty="0" smtClean="0"/>
-              <a:t>Prendre en compte les questions de gestions d’un grand nombre d’utilisateur</a:t>
+              <a:t>Non prise en compte de versions logicielle postérieure (Debian)</a:t>
             </a:r>
           </a:p>
           <a:p>
             <a:r>
               <a:rPr lang="fr-FR" dirty="0" smtClean="0"/>
-              <a:t>Intégrer l’outil dans le système d’information de l’université</a:t>
+              <a:t>Connexion serveur SMTP</a:t>
             </a:r>
+          </a:p>
+          <a:p>
+            <a:r>
+              <a:rPr lang="fr-FR" dirty="0" smtClean="0"/>
+              <a:t>Système de plugin</a:t>
+            </a:r>
+          </a:p>
+          <a:p>
             <a:endParaRPr lang="fr-FR" dirty="0"/>
           </a:p>
           <a:p>
@@ -15593,7 +15970,7 @@
     </p:spTree>
     <p:extLst>
       <p:ext uri="{BB962C8B-B14F-4D97-AF65-F5344CB8AC3E}">
-        <p14:creationId xmlns:p14="http://schemas.microsoft.com/office/powerpoint/2010/main" val="2538466922"/>
+        <p14:creationId xmlns:p14="http://schemas.microsoft.com/office/powerpoint/2010/main" val="2374880568"/>
       </p:ext>
     </p:extLst>
   </p:cSld>
@@ -15683,6 +16060,114 @@
           <a:p>
             <a:r>
               <a:rPr lang="fr-FR" dirty="0" smtClean="0"/>
+              <a:t>Prendre en compte les questions de gestions d’un grand nombre d’utilisateur</a:t>
+            </a:r>
+          </a:p>
+          <a:p>
+            <a:r>
+              <a:rPr lang="fr-FR" dirty="0" smtClean="0"/>
+              <a:t>Intégrer l’outil dans le système d’information de l’université</a:t>
+            </a:r>
+            <a:endParaRPr lang="fr-FR" dirty="0"/>
+          </a:p>
+          <a:p>
+            <a:endParaRPr lang="fr-FR" dirty="0" smtClean="0"/>
+          </a:p>
+        </p:txBody>
+      </p:sp>
+    </p:spTree>
+    <p:extLst>
+      <p:ext uri="{BB962C8B-B14F-4D97-AF65-F5344CB8AC3E}">
+        <p14:creationId xmlns:p14="http://schemas.microsoft.com/office/powerpoint/2010/main" val="2538466922"/>
+      </p:ext>
+    </p:extLst>
+  </p:cSld>
+  <p:clrMapOvr>
+    <a:masterClrMapping/>
+  </p:clrMapOvr>
+  <mc:AlternateContent xmlns:mc="http://schemas.openxmlformats.org/markup-compatibility/2006" xmlns:p14="http://schemas.microsoft.com/office/powerpoint/2010/main">
+    <mc:Choice Requires="p14">
+      <p:transition spd="med" p14:dur="700">
+        <p:fade/>
+      </p:transition>
+    </mc:Choice>
+    <mc:Fallback xmlns="">
+      <p:transition spd="med">
+        <p:fade/>
+      </p:transition>
+    </mc:Fallback>
+  </mc:AlternateContent>
+  <p:timing>
+    <p:tnLst>
+      <p:par>
+        <p:cTn id="1" dur="indefinite" restart="never" nodeType="tmRoot"/>
+      </p:par>
+    </p:tnLst>
+  </p:timing>
+</p:sld>
+</file>
+
+<file path=ppt/slides/slide17.xml><?xml version="1.0" encoding="utf-8"?>
+<p:sld xmlns:a="http://schemas.openxmlformats.org/drawingml/2006/main" xmlns:r="http://schemas.openxmlformats.org/officeDocument/2006/relationships" xmlns:p="http://schemas.openxmlformats.org/presentationml/2006/main">
+  <p:cSld>
+    <p:spTree>
+      <p:nvGrpSpPr>
+        <p:cNvPr id="1" name=""/>
+        <p:cNvGrpSpPr/>
+        <p:nvPr/>
+      </p:nvGrpSpPr>
+      <p:grpSpPr>
+        <a:xfrm>
+          <a:off x="0" y="0"/>
+          <a:ext cx="0" cy="0"/>
+          <a:chOff x="0" y="0"/>
+          <a:chExt cx="0" cy="0"/>
+        </a:xfrm>
+      </p:grpSpPr>
+      <p:sp>
+        <p:nvSpPr>
+          <p:cNvPr id="13" name="Titre 12"/>
+          <p:cNvSpPr>
+            <a:spLocks noGrp="1"/>
+          </p:cNvSpPr>
+          <p:nvPr>
+            <p:ph type="title"/>
+          </p:nvPr>
+        </p:nvSpPr>
+        <p:spPr/>
+        <p:txBody>
+          <a:bodyPr rtlCol="0"/>
+          <a:lstStyle/>
+          <a:p>
+            <a:pPr rtl="0"/>
+            <a:r>
+              <a:rPr lang="fr-FR" dirty="0" smtClean="0"/>
+              <a:t>Poursuite du projet</a:t>
+            </a:r>
+            <a:endParaRPr lang="fr-FR" dirty="0"/>
+          </a:p>
+        </p:txBody>
+      </p:sp>
+      <p:sp>
+        <p:nvSpPr>
+          <p:cNvPr id="2" name="Espace réservé du contenu 1"/>
+          <p:cNvSpPr>
+            <a:spLocks noGrp="1"/>
+          </p:cNvSpPr>
+          <p:nvPr>
+            <p:ph idx="1"/>
+          </p:nvPr>
+        </p:nvSpPr>
+        <p:spPr/>
+        <p:txBody>
+          <a:bodyPr/>
+          <a:lstStyle/>
+          <a:p>
+            <a:endParaRPr lang="fr-FR" dirty="0" smtClean="0"/>
+          </a:p>
+          <a:p>
+            <a:r>
+              <a:rPr lang="fr-FR" dirty="0" smtClean="0"/>
               <a:t>Questions de sécurité</a:t>
             </a:r>
           </a:p>
@@ -15730,7 +16215,7 @@
 </p:sld>
 </file>
 
-<file path=ppt/slides/slide17.xml><?xml version="1.0" encoding="utf-8"?>
+<file path=ppt/slides/slide18.xml><?xml version="1.0" encoding="utf-8"?>
 <p:sld xmlns:a="http://schemas.openxmlformats.org/drawingml/2006/main" xmlns:r="http://schemas.openxmlformats.org/officeDocument/2006/relationships" xmlns:p="http://schemas.openxmlformats.org/presentationml/2006/main">
   <p:cSld>
     <p:spTree>
@@ -15925,7 +16410,6 @@
               <a:rPr lang="fr-FR" dirty="0" smtClean="0"/>
               <a:t>Déroulement du projet</a:t>
             </a:r>
-            <a:endParaRPr lang="fr-FR" dirty="0" smtClean="0"/>
           </a:p>
           <a:p>
             <a:pPr lvl="0" rtl="0"/>
@@ -17352,7 +17836,6 @@
               <a:rPr lang="fr-FR" dirty="0" smtClean="0"/>
               <a:t>Licence MIT</a:t>
             </a:r>
-            <a:endParaRPr lang="fr-FR" dirty="0" smtClean="0"/>
           </a:p>
           <a:p>
             <a:endParaRPr lang="fr-FR" dirty="0"/>
@@ -17476,7 +17959,6 @@
               <a:rPr lang="fr-FR" sz="2400" dirty="0" smtClean="0"/>
               <a:t>Instaurer par le célèbre institut</a:t>
             </a:r>
-            <a:endParaRPr lang="fr-FR" sz="2400" dirty="0" smtClean="0"/>
           </a:p>
         </p:txBody>
       </p:sp>
@@ -17515,7 +17997,6 @@
               <a:rPr lang="fr-FR" sz="2400" dirty="0" smtClean="0"/>
               <a:t>limitative</a:t>
             </a:r>
-            <a:endParaRPr lang="fr-FR" sz="2400" dirty="0" smtClean="0"/>
           </a:p>
         </p:txBody>
       </p:sp>
@@ -18039,11 +18520,7 @@
           <a:p>
             <a:r>
               <a:rPr lang="fr-FR" dirty="0" smtClean="0"/>
-              <a:t>Déploiement sur les serveurs de </a:t>
-            </a:r>
-            <a:r>
-              <a:rPr lang="fr-FR" dirty="0" smtClean="0"/>
-              <a:t>l’université</a:t>
+              <a:t>Déploiement sur les serveurs de l’université</a:t>
             </a:r>
           </a:p>
           <a:p>
@@ -18055,7 +18532,7 @@
           <a:p>
             <a:r>
               <a:rPr lang="fr-FR" dirty="0" smtClean="0"/>
-              <a:t>Configuration optimale</a:t>
+              <a:t>Rédaction d’une documentation opérationnelle</a:t>
             </a:r>
             <a:endParaRPr lang="fr-FR" dirty="0" smtClean="0"/>
           </a:p>
@@ -18147,7 +18624,7 @@
           <p:nvPr>
             <p:extLst>
               <p:ext uri="{D42A27DB-BD31-4B8C-83A1-F6EECF244321}">
-                <p14:modId xmlns:p14="http://schemas.microsoft.com/office/powerpoint/2010/main" val="1154431305"/>
+                <p14:modId xmlns:p14="http://schemas.microsoft.com/office/powerpoint/2010/main" val="2454344924"/>
               </p:ext>
             </p:extLst>
           </p:nvPr>
@@ -19045,12 +19522,14 @@
 </file>
 
 <file path=customXml/item1.xml><?xml version="1.0" encoding="utf-8"?>
-<?mso-contentType ?>
-<FormTemplates xmlns="http://schemas.microsoft.com/sharepoint/v3/contenttype/forms">
-  <Display>DocumentLibraryForm</Display>
-  <Edit>DocumentLibraryForm</Edit>
-  <New>DocumentLibraryForm</New>
-</FormTemplates>
+<p:properties xmlns:p="http://schemas.microsoft.com/office/2006/metadata/properties" xmlns:xsi="http://www.w3.org/2001/XMLSchema-instance" xmlns:pc="http://schemas.microsoft.com/office/infopath/2007/PartnerControls">
+  <documentManagement>
+    <VSO_x0020_item_x0020_id xmlns="40262f94-9f35-4ac3-9a90-690165a166b7" xsi:nil="true"/>
+    <Assetid_x0020_ xmlns="40262f94-9f35-4ac3-9a90-690165a166b7" xsi:nil="true"/>
+    <Item_x0020_Details xmlns="40262f94-9f35-4ac3-9a90-690165a166b7" xsi:nil="true"/>
+    <Template_x0020_details xmlns="40262f94-9f35-4ac3-9a90-690165a166b7" xsi:nil="true"/>
+  </documentManagement>
+</p:properties>
 </file>
 
 <file path=customXml/item2.xml><?xml version="1.0" encoding="utf-8"?>
@@ -19235,20 +19714,27 @@
 </file>
 
 <file path=customXml/item3.xml><?xml version="1.0" encoding="utf-8"?>
-<p:properties xmlns:p="http://schemas.microsoft.com/office/2006/metadata/properties" xmlns:xsi="http://www.w3.org/2001/XMLSchema-instance" xmlns:pc="http://schemas.microsoft.com/office/infopath/2007/PartnerControls">
-  <documentManagement>
-    <VSO_x0020_item_x0020_id xmlns="40262f94-9f35-4ac3-9a90-690165a166b7" xsi:nil="true"/>
-    <Assetid_x0020_ xmlns="40262f94-9f35-4ac3-9a90-690165a166b7" xsi:nil="true"/>
-    <Item_x0020_Details xmlns="40262f94-9f35-4ac3-9a90-690165a166b7" xsi:nil="true"/>
-    <Template_x0020_details xmlns="40262f94-9f35-4ac3-9a90-690165a166b7" xsi:nil="true"/>
-  </documentManagement>
-</p:properties>
+<?mso-contentType ?>
+<FormTemplates xmlns="http://schemas.microsoft.com/sharepoint/v3/contenttype/forms">
+  <Display>DocumentLibraryForm</Display>
+  <Edit>DocumentLibraryForm</Edit>
+  <New>DocumentLibraryForm</New>
+</FormTemplates>
 </file>
 
 <file path=customXml/itemProps1.xml><?xml version="1.0" encoding="utf-8"?>
-<ds:datastoreItem xmlns:ds="http://schemas.openxmlformats.org/officeDocument/2006/customXml" ds:itemID="{0875BD71-4A33-4FB7-88CA-777C4D9E6EE5}">
+<ds:datastoreItem xmlns:ds="http://schemas.openxmlformats.org/officeDocument/2006/customXml" ds:itemID="{3049C11C-71DC-49B6-ACD8-27E3AE088D14}">
   <ds:schemaRefs>
-    <ds:schemaRef ds:uri="http://schemas.microsoft.com/sharepoint/v3/contenttype/forms"/>
+    <ds:schemaRef ds:uri="http://purl.org/dc/terms/"/>
+    <ds:schemaRef ds:uri="http://schemas.openxmlformats.org/package/2006/metadata/core-properties"/>
+    <ds:schemaRef ds:uri="http://purl.org/dc/dcmitype/"/>
+    <ds:schemaRef ds:uri="http://schemas.microsoft.com/office/infopath/2007/PartnerControls"/>
+    <ds:schemaRef ds:uri="http://purl.org/dc/elements/1.1/"/>
+    <ds:schemaRef ds:uri="http://schemas.microsoft.com/office/2006/metadata/properties"/>
+    <ds:schemaRef ds:uri="http://schemas.microsoft.com/office/2006/documentManagement/types"/>
+    <ds:schemaRef ds:uri="40262f94-9f35-4ac3-9a90-690165a166b7"/>
+    <ds:schemaRef ds:uri="a4f35948-e619-41b3-aa29-22878b09cfd2"/>
+    <ds:schemaRef ds:uri="http://www.w3.org/XML/1998/namespace"/>
   </ds:schemaRefs>
 </ds:datastoreItem>
 </file>
@@ -19273,18 +19759,9 @@
 </file>
 
 <file path=customXml/itemProps3.xml><?xml version="1.0" encoding="utf-8"?>
-<ds:datastoreItem xmlns:ds="http://schemas.openxmlformats.org/officeDocument/2006/customXml" ds:itemID="{3049C11C-71DC-49B6-ACD8-27E3AE088D14}">
+<ds:datastoreItem xmlns:ds="http://schemas.openxmlformats.org/officeDocument/2006/customXml" ds:itemID="{0875BD71-4A33-4FB7-88CA-777C4D9E6EE5}">
   <ds:schemaRefs>
-    <ds:schemaRef ds:uri="http://purl.org/dc/terms/"/>
-    <ds:schemaRef ds:uri="http://schemas.openxmlformats.org/package/2006/metadata/core-properties"/>
-    <ds:schemaRef ds:uri="http://purl.org/dc/dcmitype/"/>
-    <ds:schemaRef ds:uri="http://schemas.microsoft.com/office/infopath/2007/PartnerControls"/>
-    <ds:schemaRef ds:uri="http://purl.org/dc/elements/1.1/"/>
-    <ds:schemaRef ds:uri="http://schemas.microsoft.com/office/2006/metadata/properties"/>
-    <ds:schemaRef ds:uri="http://schemas.microsoft.com/office/2006/documentManagement/types"/>
-    <ds:schemaRef ds:uri="40262f94-9f35-4ac3-9a90-690165a166b7"/>
-    <ds:schemaRef ds:uri="a4f35948-e619-41b3-aa29-22878b09cfd2"/>
-    <ds:schemaRef ds:uri="http://www.w3.org/XML/1998/namespace"/>
+    <ds:schemaRef ds:uri="http://schemas.microsoft.com/sharepoint/v3/contenttype/forms"/>
   </ds:schemaRefs>
 </ds:datastoreItem>
 </file>
--- a/Présentation de Mattermost.pptx
+++ b/Présentation de Mattermost.pptx
@@ -5,10 +5,10 @@
     <p:sldMasterId id="2147483672" r:id="rId4"/>
   </p:sldMasterIdLst>
   <p:notesMasterIdLst>
-    <p:notesMasterId r:id="rId23"/>
+    <p:notesMasterId r:id="rId24"/>
   </p:notesMasterIdLst>
   <p:handoutMasterIdLst>
-    <p:handoutMasterId r:id="rId24"/>
+    <p:handoutMasterId r:id="rId25"/>
   </p:handoutMasterIdLst>
   <p:sldIdLst>
     <p:sldId id="322" r:id="rId5"/>
@@ -26,14 +26,15 @@
     <p:sldId id="335" r:id="rId17"/>
     <p:sldId id="338" r:id="rId18"/>
     <p:sldId id="331" r:id="rId19"/>
-    <p:sldId id="327" r:id="rId20"/>
-    <p:sldId id="336" r:id="rId21"/>
-    <p:sldId id="337" r:id="rId22"/>
+    <p:sldId id="339" r:id="rId20"/>
+    <p:sldId id="327" r:id="rId21"/>
+    <p:sldId id="336" r:id="rId22"/>
+    <p:sldId id="337" r:id="rId23"/>
   </p:sldIdLst>
   <p:sldSz cx="12188825" cy="6858000"/>
   <p:notesSz cx="6858000" cy="9144000"/>
   <p:custDataLst>
-    <p:tags r:id="rId25"/>
+    <p:tags r:id="rId26"/>
   </p:custDataLst>
   <p:defaultTextStyle>
     <a:defPPr rtl="0">
@@ -3058,8 +3059,8 @@
     <dgm:cxn modelId="{B89497E9-A57E-4A78-AA93-469EA2F4AAE4}" srcId="{FB6B9333-3118-4AAE-8AA1-BEFBBD980A63}" destId="{963C69D3-6900-4A19-8628-767CE91AB8EA}" srcOrd="1" destOrd="0" parTransId="{F5C97BB5-3D5A-425A-BEBA-361EFBFD320B}" sibTransId="{5D0F1E9A-6111-4DE5-8EE5-3B62F77D2DA7}"/>
     <dgm:cxn modelId="{94C9C6AB-5C35-4428-BC4D-8BEBBB863847}" type="presOf" srcId="{FB6B9333-3118-4AAE-8AA1-BEFBBD980A63}" destId="{BB1B07EF-2B60-4C74-AADA-C796F63908E0}" srcOrd="0" destOrd="0" presId="urn:microsoft.com/office/officeart/2005/8/layout/vList6"/>
     <dgm:cxn modelId="{DD564F4B-7089-4A93-A38C-55FA22D4E92C}" srcId="{963C69D3-6900-4A19-8628-767CE91AB8EA}" destId="{2D915F47-9ABA-4965-B322-4E15F6510AF4}" srcOrd="0" destOrd="0" parTransId="{64991C01-242C-44FB-B3FD-16D84164E1C5}" sibTransId="{578B0381-6F45-4B75-B292-5B779D05A939}"/>
+    <dgm:cxn modelId="{AF9457A3-1734-4621-9407-B84F2778A6E8}" type="presOf" srcId="{E80023FF-B9D1-4A3E-A93E-3C5A695576F7}" destId="{00F23754-68FA-427A-9C6F-4E4CE23A687A}" srcOrd="0" destOrd="1" presId="urn:microsoft.com/office/officeart/2005/8/layout/vList6"/>
     <dgm:cxn modelId="{F8D2EF9E-BDEE-4678-A8F8-38C22B9CF173}" srcId="{BF9E6173-593F-45F9-ABED-363BD96824EE}" destId="{F8248A93-7E0D-48F8-BB32-3B066A9FD0C6}" srcOrd="0" destOrd="0" parTransId="{62720A01-47FF-49E3-9E9B-DEB76E0BA8E6}" sibTransId="{118CB731-679C-4C2F-BF8B-5E72810DC861}"/>
-    <dgm:cxn modelId="{AF9457A3-1734-4621-9407-B84F2778A6E8}" type="presOf" srcId="{E80023FF-B9D1-4A3E-A93E-3C5A695576F7}" destId="{00F23754-68FA-427A-9C6F-4E4CE23A687A}" srcOrd="0" destOrd="1" presId="urn:microsoft.com/office/officeart/2005/8/layout/vList6"/>
     <dgm:cxn modelId="{B56D85A2-4E9D-43B1-B5FD-E30C261371F3}" type="presParOf" srcId="{BB1B07EF-2B60-4C74-AADA-C796F63908E0}" destId="{AA3F6572-7EB7-457E-8F0A-4842F6FD611E}" srcOrd="0" destOrd="0" presId="urn:microsoft.com/office/officeart/2005/8/layout/vList6"/>
     <dgm:cxn modelId="{CBB13D19-0DD4-45A0-94CE-1E1F51C79A8C}" type="presParOf" srcId="{AA3F6572-7EB7-457E-8F0A-4842F6FD611E}" destId="{E38123E8-F46B-492C-889A-064B7F90CD55}" srcOrd="0" destOrd="0" presId="urn:microsoft.com/office/officeart/2005/8/layout/vList6"/>
     <dgm:cxn modelId="{F858DAFF-B758-4515-8436-814448F57195}" type="presParOf" srcId="{AA3F6572-7EB7-457E-8F0A-4842F6FD611E}" destId="{611E8F6D-94A6-4976-9E0E-21FAF293347E}" srcOrd="1" destOrd="0" presId="urn:microsoft.com/office/officeart/2005/8/layout/vList6"/>
@@ -10487,7 +10488,7 @@
     </p:spTree>
     <p:extLst>
       <p:ext uri="{BB962C8B-B14F-4D97-AF65-F5344CB8AC3E}">
-        <p14:creationId xmlns:p14="http://schemas.microsoft.com/office/powerpoint/2010/main" val="319261224"/>
+        <p14:creationId xmlns:p14="http://schemas.microsoft.com/office/powerpoint/2010/main" val="21094555"/>
       </p:ext>
     </p:extLst>
   </p:cSld>
@@ -10572,7 +10573,7 @@
     </p:spTree>
     <p:extLst>
       <p:ext uri="{BB962C8B-B14F-4D97-AF65-F5344CB8AC3E}">
-        <p14:creationId xmlns:p14="http://schemas.microsoft.com/office/powerpoint/2010/main" val="383609628"/>
+        <p14:creationId xmlns:p14="http://schemas.microsoft.com/office/powerpoint/2010/main" val="319261224"/>
       </p:ext>
     </p:extLst>
   </p:cSld>
@@ -10649,6 +10650,91 @@
             <a:fld id="{F93199CD-3E1B-4AE6-990F-76F925F5EA9F}" type="slidenum">
               <a:rPr lang="fr-FR" smtClean="0"/>
               <a:t>18</a:t>
+            </a:fld>
+            <a:endParaRPr lang="fr-FR" dirty="0"/>
+          </a:p>
+        </p:txBody>
+      </p:sp>
+    </p:spTree>
+    <p:extLst>
+      <p:ext uri="{BB962C8B-B14F-4D97-AF65-F5344CB8AC3E}">
+        <p14:creationId xmlns:p14="http://schemas.microsoft.com/office/powerpoint/2010/main" val="383609628"/>
+      </p:ext>
+    </p:extLst>
+  </p:cSld>
+  <p:clrMapOvr>
+    <a:masterClrMapping/>
+  </p:clrMapOvr>
+</p:notes>
+</file>
+
+<file path=ppt/notesSlides/notesSlide19.xml><?xml version="1.0" encoding="utf-8"?>
+<p:notes xmlns:a="http://schemas.openxmlformats.org/drawingml/2006/main" xmlns:r="http://schemas.openxmlformats.org/officeDocument/2006/relationships" xmlns:p="http://schemas.openxmlformats.org/presentationml/2006/main">
+  <p:cSld>
+    <p:spTree>
+      <p:nvGrpSpPr>
+        <p:cNvPr id="1" name=""/>
+        <p:cNvGrpSpPr/>
+        <p:nvPr/>
+      </p:nvGrpSpPr>
+      <p:grpSpPr>
+        <a:xfrm>
+          <a:off x="0" y="0"/>
+          <a:ext cx="0" cy="0"/>
+          <a:chOff x="0" y="0"/>
+          <a:chExt cx="0" cy="0"/>
+        </a:xfrm>
+      </p:grpSpPr>
+      <p:sp>
+        <p:nvSpPr>
+          <p:cNvPr id="2" name="Espace réservé d’image de diapositive 1"/>
+          <p:cNvSpPr>
+            <a:spLocks noGrp="1" noRot="1" noChangeAspect="1"/>
+          </p:cNvSpPr>
+          <p:nvPr>
+            <p:ph type="sldImg"/>
+          </p:nvPr>
+        </p:nvSpPr>
+        <p:spPr/>
+      </p:sp>
+      <p:sp>
+        <p:nvSpPr>
+          <p:cNvPr id="3" name="Espace réservé des notes 2"/>
+          <p:cNvSpPr>
+            <a:spLocks noGrp="1"/>
+          </p:cNvSpPr>
+          <p:nvPr>
+            <p:ph type="body" idx="1"/>
+          </p:nvPr>
+        </p:nvSpPr>
+        <p:spPr/>
+        <p:txBody>
+          <a:bodyPr/>
+          <a:lstStyle/>
+          <a:p>
+            <a:endParaRPr lang="fr-FR" dirty="0"/>
+          </a:p>
+        </p:txBody>
+      </p:sp>
+      <p:sp>
+        <p:nvSpPr>
+          <p:cNvPr id="4" name="Espace réservé du numéro de diapositive 3"/>
+          <p:cNvSpPr>
+            <a:spLocks noGrp="1"/>
+          </p:cNvSpPr>
+          <p:nvPr>
+            <p:ph type="sldNum" sz="quarter" idx="10"/>
+          </p:nvPr>
+        </p:nvSpPr>
+        <p:spPr/>
+        <p:txBody>
+          <a:bodyPr/>
+          <a:lstStyle/>
+          <a:p>
+            <a:pPr rtl="0"/>
+            <a:fld id="{F93199CD-3E1B-4AE6-990F-76F925F5EA9F}" type="slidenum">
+              <a:rPr lang="fr-FR" smtClean="0"/>
+              <a:t>19</a:t>
             </a:fld>
             <a:endParaRPr lang="fr-FR" dirty="0"/>
           </a:p>
@@ -15918,7 +16004,7 @@
             <a:pPr rtl="0"/>
             <a:r>
               <a:rPr lang="fr-FR" dirty="0" smtClean="0"/>
-              <a:t>Difficultés rencontrées</a:t>
+              <a:t>Avancée du projet</a:t>
             </a:r>
             <a:endParaRPr lang="fr-FR" dirty="0"/>
           </a:p>
@@ -15944,7 +16030,13 @@
           <a:p>
             <a:r>
               <a:rPr lang="fr-FR" dirty="0" smtClean="0"/>
-              <a:t>Non prise en compte de versions logicielle postérieure (Debian)</a:t>
+              <a:t>Déploiement opérationnel</a:t>
+            </a:r>
+          </a:p>
+          <a:p>
+            <a:r>
+              <a:rPr lang="fr-FR" dirty="0" smtClean="0"/>
+              <a:t>Ajout de plugins</a:t>
             </a:r>
           </a:p>
           <a:p>
@@ -15952,14 +16044,6 @@
               <a:rPr lang="fr-FR" dirty="0" smtClean="0"/>
               <a:t>Connexion serveur SMTP</a:t>
             </a:r>
-          </a:p>
-          <a:p>
-            <a:r>
-              <a:rPr lang="fr-FR" dirty="0" smtClean="0"/>
-              <a:t>Système de plugin</a:t>
-            </a:r>
-          </a:p>
-          <a:p>
             <a:endParaRPr lang="fr-FR" dirty="0"/>
           </a:p>
           <a:p>
@@ -16034,51 +16118,88 @@
             <a:pPr rtl="0"/>
             <a:r>
               <a:rPr lang="fr-FR" dirty="0" smtClean="0"/>
-              <a:t>Poursuite du projet</a:t>
+              <a:t>Une fonctionnalité : la visioconférence</a:t>
             </a:r>
             <a:endParaRPr lang="fr-FR" dirty="0"/>
           </a:p>
         </p:txBody>
       </p:sp>
-      <p:sp>
-        <p:nvSpPr>
-          <p:cNvPr id="2" name="Espace réservé du contenu 1"/>
-          <p:cNvSpPr>
-            <a:spLocks noGrp="1"/>
-          </p:cNvSpPr>
-          <p:nvPr>
-            <p:ph idx="1"/>
-          </p:nvPr>
-        </p:nvSpPr>
-        <p:spPr/>
-        <p:txBody>
-          <a:bodyPr/>
-          <a:lstStyle/>
-          <a:p>
-            <a:endParaRPr lang="fr-FR" dirty="0" smtClean="0"/>
-          </a:p>
-          <a:p>
-            <a:r>
-              <a:rPr lang="fr-FR" dirty="0" smtClean="0"/>
-              <a:t>Prendre en compte les questions de gestions d’un grand nombre d’utilisateur</a:t>
-            </a:r>
-          </a:p>
-          <a:p>
-            <a:r>
-              <a:rPr lang="fr-FR" dirty="0" smtClean="0"/>
-              <a:t>Intégrer l’outil dans le système d’information de l’université</a:t>
-            </a:r>
-            <a:endParaRPr lang="fr-FR" dirty="0"/>
-          </a:p>
-          <a:p>
-            <a:endParaRPr lang="fr-FR" dirty="0" smtClean="0"/>
-          </a:p>
-        </p:txBody>
-      </p:sp>
+      <p:pic>
+        <p:nvPicPr>
+          <p:cNvPr id="4" name="Image 3"/>
+          <p:cNvPicPr>
+            <a:picLocks noChangeAspect="1"/>
+          </p:cNvPicPr>
+          <p:nvPr/>
+        </p:nvPicPr>
+        <p:blipFill>
+          <a:blip r:embed="rId3"/>
+          <a:stretch>
+            <a:fillRect/>
+          </a:stretch>
+        </p:blipFill>
+        <p:spPr>
+          <a:xfrm>
+            <a:off x="621804" y="2636912"/>
+            <a:ext cx="3228975" cy="1419225"/>
+          </a:xfrm>
+          <a:prstGeom prst="rect">
+            <a:avLst/>
+          </a:prstGeom>
+        </p:spPr>
+      </p:pic>
+      <p:pic>
+        <p:nvPicPr>
+          <p:cNvPr id="5" name="Image 4"/>
+          <p:cNvPicPr>
+            <a:picLocks noChangeAspect="1"/>
+          </p:cNvPicPr>
+          <p:nvPr/>
+        </p:nvPicPr>
+        <p:blipFill>
+          <a:blip r:embed="rId4"/>
+          <a:stretch>
+            <a:fillRect/>
+          </a:stretch>
+        </p:blipFill>
+        <p:spPr>
+          <a:xfrm>
+            <a:off x="4942284" y="2636912"/>
+            <a:ext cx="2737695" cy="1539954"/>
+          </a:xfrm>
+          <a:prstGeom prst="rect">
+            <a:avLst/>
+          </a:prstGeom>
+        </p:spPr>
+      </p:pic>
+      <p:pic>
+        <p:nvPicPr>
+          <p:cNvPr id="6" name="Image 5"/>
+          <p:cNvPicPr>
+            <a:picLocks noChangeAspect="1"/>
+          </p:cNvPicPr>
+          <p:nvPr/>
+        </p:nvPicPr>
+        <p:blipFill>
+          <a:blip r:embed="rId5"/>
+          <a:stretch>
+            <a:fillRect/>
+          </a:stretch>
+        </p:blipFill>
+        <p:spPr>
+          <a:xfrm>
+            <a:off x="9046741" y="2636913"/>
+            <a:ext cx="1619674" cy="1619674"/>
+          </a:xfrm>
+          <a:prstGeom prst="rect">
+            <a:avLst/>
+          </a:prstGeom>
+        </p:spPr>
+      </p:pic>
     </p:spTree>
     <p:extLst>
       <p:ext uri="{BB962C8B-B14F-4D97-AF65-F5344CB8AC3E}">
-        <p14:creationId xmlns:p14="http://schemas.microsoft.com/office/powerpoint/2010/main" val="2538466922"/>
+        <p14:creationId xmlns:p14="http://schemas.microsoft.com/office/powerpoint/2010/main" val="4116533120"/>
       </p:ext>
     </p:extLst>
   </p:cSld>
@@ -16168,6 +16289,124 @@
           <a:p>
             <a:r>
               <a:rPr lang="fr-FR" dirty="0" smtClean="0"/>
+              <a:t>Prendre en compte les questions de gestions d’un grand nombre d’utilisateur</a:t>
+            </a:r>
+          </a:p>
+          <a:p>
+            <a:r>
+              <a:rPr lang="fr-FR" dirty="0" smtClean="0"/>
+              <a:t>Intégrer l’outil dans le système d’information de </a:t>
+            </a:r>
+            <a:r>
+              <a:rPr lang="fr-FR" dirty="0" smtClean="0"/>
+              <a:t>l’université</a:t>
+            </a:r>
+          </a:p>
+          <a:p>
+            <a:r>
+              <a:rPr lang="fr-FR" dirty="0" smtClean="0"/>
+              <a:t>Connexion au LDAP</a:t>
+            </a:r>
+            <a:endParaRPr lang="fr-FR" dirty="0"/>
+          </a:p>
+          <a:p>
+            <a:endParaRPr lang="fr-FR" dirty="0" smtClean="0"/>
+          </a:p>
+        </p:txBody>
+      </p:sp>
+    </p:spTree>
+    <p:extLst>
+      <p:ext uri="{BB962C8B-B14F-4D97-AF65-F5344CB8AC3E}">
+        <p14:creationId xmlns:p14="http://schemas.microsoft.com/office/powerpoint/2010/main" val="2538466922"/>
+      </p:ext>
+    </p:extLst>
+  </p:cSld>
+  <p:clrMapOvr>
+    <a:masterClrMapping/>
+  </p:clrMapOvr>
+  <mc:AlternateContent xmlns:mc="http://schemas.openxmlformats.org/markup-compatibility/2006" xmlns:p14="http://schemas.microsoft.com/office/powerpoint/2010/main">
+    <mc:Choice Requires="p14">
+      <p:transition spd="med" p14:dur="700">
+        <p:fade/>
+      </p:transition>
+    </mc:Choice>
+    <mc:Fallback xmlns="">
+      <p:transition spd="med">
+        <p:fade/>
+      </p:transition>
+    </mc:Fallback>
+  </mc:AlternateContent>
+  <p:timing>
+    <p:tnLst>
+      <p:par>
+        <p:cTn id="1" dur="indefinite" restart="never" nodeType="tmRoot"/>
+      </p:par>
+    </p:tnLst>
+  </p:timing>
+</p:sld>
+</file>
+
+<file path=ppt/slides/slide18.xml><?xml version="1.0" encoding="utf-8"?>
+<p:sld xmlns:a="http://schemas.openxmlformats.org/drawingml/2006/main" xmlns:r="http://schemas.openxmlformats.org/officeDocument/2006/relationships" xmlns:p="http://schemas.openxmlformats.org/presentationml/2006/main">
+  <p:cSld>
+    <p:spTree>
+      <p:nvGrpSpPr>
+        <p:cNvPr id="1" name=""/>
+        <p:cNvGrpSpPr/>
+        <p:nvPr/>
+      </p:nvGrpSpPr>
+      <p:grpSpPr>
+        <a:xfrm>
+          <a:off x="0" y="0"/>
+          <a:ext cx="0" cy="0"/>
+          <a:chOff x="0" y="0"/>
+          <a:chExt cx="0" cy="0"/>
+        </a:xfrm>
+      </p:grpSpPr>
+      <p:sp>
+        <p:nvSpPr>
+          <p:cNvPr id="13" name="Titre 12"/>
+          <p:cNvSpPr>
+            <a:spLocks noGrp="1"/>
+          </p:cNvSpPr>
+          <p:nvPr>
+            <p:ph type="title"/>
+          </p:nvPr>
+        </p:nvSpPr>
+        <p:spPr/>
+        <p:txBody>
+          <a:bodyPr rtlCol="0"/>
+          <a:lstStyle/>
+          <a:p>
+            <a:pPr rtl="0"/>
+            <a:r>
+              <a:rPr lang="fr-FR" dirty="0" smtClean="0"/>
+              <a:t>Poursuite du projet</a:t>
+            </a:r>
+            <a:endParaRPr lang="fr-FR" dirty="0"/>
+          </a:p>
+        </p:txBody>
+      </p:sp>
+      <p:sp>
+        <p:nvSpPr>
+          <p:cNvPr id="2" name="Espace réservé du contenu 1"/>
+          <p:cNvSpPr>
+            <a:spLocks noGrp="1"/>
+          </p:cNvSpPr>
+          <p:nvPr>
+            <p:ph idx="1"/>
+          </p:nvPr>
+        </p:nvSpPr>
+        <p:spPr/>
+        <p:txBody>
+          <a:bodyPr/>
+          <a:lstStyle/>
+          <a:p>
+            <a:endParaRPr lang="fr-FR" dirty="0" smtClean="0"/>
+          </a:p>
+          <a:p>
+            <a:r>
+              <a:rPr lang="fr-FR" dirty="0" smtClean="0"/>
               <a:t>Questions de sécurité</a:t>
             </a:r>
           </a:p>
@@ -16215,7 +16454,7 @@
 </p:sld>
 </file>
 
-<file path=ppt/slides/slide18.xml><?xml version="1.0" encoding="utf-8"?>
+<file path=ppt/slides/slide19.xml><?xml version="1.0" encoding="utf-8"?>
 <p:sld xmlns:a="http://schemas.openxmlformats.org/drawingml/2006/main" xmlns:r="http://schemas.openxmlformats.org/officeDocument/2006/relationships" xmlns:p="http://schemas.openxmlformats.org/presentationml/2006/main">
   <p:cSld>
     <p:spTree>
@@ -18534,7 +18773,6 @@
               <a:rPr lang="fr-FR" dirty="0" smtClean="0"/>
               <a:t>Rédaction d’une documentation opérationnelle</a:t>
             </a:r>
-            <a:endParaRPr lang="fr-FR" dirty="0" smtClean="0"/>
           </a:p>
           <a:p>
             <a:endParaRPr lang="fr-FR" dirty="0"/>
@@ -19522,14 +19760,12 @@
 </file>
 
 <file path=customXml/item1.xml><?xml version="1.0" encoding="utf-8"?>
-<p:properties xmlns:p="http://schemas.microsoft.com/office/2006/metadata/properties" xmlns:xsi="http://www.w3.org/2001/XMLSchema-instance" xmlns:pc="http://schemas.microsoft.com/office/infopath/2007/PartnerControls">
-  <documentManagement>
-    <VSO_x0020_item_x0020_id xmlns="40262f94-9f35-4ac3-9a90-690165a166b7" xsi:nil="true"/>
-    <Assetid_x0020_ xmlns="40262f94-9f35-4ac3-9a90-690165a166b7" xsi:nil="true"/>
-    <Item_x0020_Details xmlns="40262f94-9f35-4ac3-9a90-690165a166b7" xsi:nil="true"/>
-    <Template_x0020_details xmlns="40262f94-9f35-4ac3-9a90-690165a166b7" xsi:nil="true"/>
-  </documentManagement>
-</p:properties>
+<?mso-contentType ?>
+<FormTemplates xmlns="http://schemas.microsoft.com/sharepoint/v3/contenttype/forms">
+  <Display>DocumentLibraryForm</Display>
+  <Edit>DocumentLibraryForm</Edit>
+  <New>DocumentLibraryForm</New>
+</FormTemplates>
 </file>
 
 <file path=customXml/item2.xml><?xml version="1.0" encoding="utf-8"?>
@@ -19714,27 +19950,20 @@
 </file>
 
 <file path=customXml/item3.xml><?xml version="1.0" encoding="utf-8"?>
-<?mso-contentType ?>
-<FormTemplates xmlns="http://schemas.microsoft.com/sharepoint/v3/contenttype/forms">
-  <Display>DocumentLibraryForm</Display>
-  <Edit>DocumentLibraryForm</Edit>
-  <New>DocumentLibraryForm</New>
-</FormTemplates>
+<p:properties xmlns:p="http://schemas.microsoft.com/office/2006/metadata/properties" xmlns:xsi="http://www.w3.org/2001/XMLSchema-instance" xmlns:pc="http://schemas.microsoft.com/office/infopath/2007/PartnerControls">
+  <documentManagement>
+    <VSO_x0020_item_x0020_id xmlns="40262f94-9f35-4ac3-9a90-690165a166b7" xsi:nil="true"/>
+    <Assetid_x0020_ xmlns="40262f94-9f35-4ac3-9a90-690165a166b7" xsi:nil="true"/>
+    <Item_x0020_Details xmlns="40262f94-9f35-4ac3-9a90-690165a166b7" xsi:nil="true"/>
+    <Template_x0020_details xmlns="40262f94-9f35-4ac3-9a90-690165a166b7" xsi:nil="true"/>
+  </documentManagement>
+</p:properties>
 </file>
 
 <file path=customXml/itemProps1.xml><?xml version="1.0" encoding="utf-8"?>
-<ds:datastoreItem xmlns:ds="http://schemas.openxmlformats.org/officeDocument/2006/customXml" ds:itemID="{3049C11C-71DC-49B6-ACD8-27E3AE088D14}">
+<ds:datastoreItem xmlns:ds="http://schemas.openxmlformats.org/officeDocument/2006/customXml" ds:itemID="{0875BD71-4A33-4FB7-88CA-777C4D9E6EE5}">
   <ds:schemaRefs>
-    <ds:schemaRef ds:uri="http://purl.org/dc/terms/"/>
-    <ds:schemaRef ds:uri="http://schemas.openxmlformats.org/package/2006/metadata/core-properties"/>
-    <ds:schemaRef ds:uri="http://purl.org/dc/dcmitype/"/>
-    <ds:schemaRef ds:uri="http://schemas.microsoft.com/office/infopath/2007/PartnerControls"/>
-    <ds:schemaRef ds:uri="http://purl.org/dc/elements/1.1/"/>
-    <ds:schemaRef ds:uri="http://schemas.microsoft.com/office/2006/metadata/properties"/>
-    <ds:schemaRef ds:uri="http://schemas.microsoft.com/office/2006/documentManagement/types"/>
-    <ds:schemaRef ds:uri="40262f94-9f35-4ac3-9a90-690165a166b7"/>
-    <ds:schemaRef ds:uri="a4f35948-e619-41b3-aa29-22878b09cfd2"/>
-    <ds:schemaRef ds:uri="http://www.w3.org/XML/1998/namespace"/>
+    <ds:schemaRef ds:uri="http://schemas.microsoft.com/sharepoint/v3/contenttype/forms"/>
   </ds:schemaRefs>
 </ds:datastoreItem>
 </file>
@@ -19759,9 +19988,18 @@
 </file>
 
 <file path=customXml/itemProps3.xml><?xml version="1.0" encoding="utf-8"?>
-<ds:datastoreItem xmlns:ds="http://schemas.openxmlformats.org/officeDocument/2006/customXml" ds:itemID="{0875BD71-4A33-4FB7-88CA-777C4D9E6EE5}">
+<ds:datastoreItem xmlns:ds="http://schemas.openxmlformats.org/officeDocument/2006/customXml" ds:itemID="{3049C11C-71DC-49B6-ACD8-27E3AE088D14}">
   <ds:schemaRefs>
-    <ds:schemaRef ds:uri="http://schemas.microsoft.com/sharepoint/v3/contenttype/forms"/>
+    <ds:schemaRef ds:uri="http://purl.org/dc/terms/"/>
+    <ds:schemaRef ds:uri="http://schemas.openxmlformats.org/package/2006/metadata/core-properties"/>
+    <ds:schemaRef ds:uri="http://purl.org/dc/dcmitype/"/>
+    <ds:schemaRef ds:uri="http://schemas.microsoft.com/office/infopath/2007/PartnerControls"/>
+    <ds:schemaRef ds:uri="http://purl.org/dc/elements/1.1/"/>
+    <ds:schemaRef ds:uri="http://schemas.microsoft.com/office/2006/metadata/properties"/>
+    <ds:schemaRef ds:uri="http://schemas.microsoft.com/office/2006/documentManagement/types"/>
+    <ds:schemaRef ds:uri="40262f94-9f35-4ac3-9a90-690165a166b7"/>
+    <ds:schemaRef ds:uri="a4f35948-e619-41b3-aa29-22878b09cfd2"/>
+    <ds:schemaRef ds:uri="http://www.w3.org/XML/1998/namespace"/>
   </ds:schemaRefs>
 </ds:datastoreItem>
 </file>
--- a/Présentation de Mattermost.pptx
+++ b/Présentation de Mattermost.pptx
@@ -3059,8 +3059,8 @@
     <dgm:cxn modelId="{B89497E9-A57E-4A78-AA93-469EA2F4AAE4}" srcId="{FB6B9333-3118-4AAE-8AA1-BEFBBD980A63}" destId="{963C69D3-6900-4A19-8628-767CE91AB8EA}" srcOrd="1" destOrd="0" parTransId="{F5C97BB5-3D5A-425A-BEBA-361EFBFD320B}" sibTransId="{5D0F1E9A-6111-4DE5-8EE5-3B62F77D2DA7}"/>
     <dgm:cxn modelId="{94C9C6AB-5C35-4428-BC4D-8BEBBB863847}" type="presOf" srcId="{FB6B9333-3118-4AAE-8AA1-BEFBBD980A63}" destId="{BB1B07EF-2B60-4C74-AADA-C796F63908E0}" srcOrd="0" destOrd="0" presId="urn:microsoft.com/office/officeart/2005/8/layout/vList6"/>
     <dgm:cxn modelId="{DD564F4B-7089-4A93-A38C-55FA22D4E92C}" srcId="{963C69D3-6900-4A19-8628-767CE91AB8EA}" destId="{2D915F47-9ABA-4965-B322-4E15F6510AF4}" srcOrd="0" destOrd="0" parTransId="{64991C01-242C-44FB-B3FD-16D84164E1C5}" sibTransId="{578B0381-6F45-4B75-B292-5B779D05A939}"/>
+    <dgm:cxn modelId="{F8D2EF9E-BDEE-4678-A8F8-38C22B9CF173}" srcId="{BF9E6173-593F-45F9-ABED-363BD96824EE}" destId="{F8248A93-7E0D-48F8-BB32-3B066A9FD0C6}" srcOrd="0" destOrd="0" parTransId="{62720A01-47FF-49E3-9E9B-DEB76E0BA8E6}" sibTransId="{118CB731-679C-4C2F-BF8B-5E72810DC861}"/>
     <dgm:cxn modelId="{AF9457A3-1734-4621-9407-B84F2778A6E8}" type="presOf" srcId="{E80023FF-B9D1-4A3E-A93E-3C5A695576F7}" destId="{00F23754-68FA-427A-9C6F-4E4CE23A687A}" srcOrd="0" destOrd="1" presId="urn:microsoft.com/office/officeart/2005/8/layout/vList6"/>
-    <dgm:cxn modelId="{F8D2EF9E-BDEE-4678-A8F8-38C22B9CF173}" srcId="{BF9E6173-593F-45F9-ABED-363BD96824EE}" destId="{F8248A93-7E0D-48F8-BB32-3B066A9FD0C6}" srcOrd="0" destOrd="0" parTransId="{62720A01-47FF-49E3-9E9B-DEB76E0BA8E6}" sibTransId="{118CB731-679C-4C2F-BF8B-5E72810DC861}"/>
     <dgm:cxn modelId="{B56D85A2-4E9D-43B1-B5FD-E30C261371F3}" type="presParOf" srcId="{BB1B07EF-2B60-4C74-AADA-C796F63908E0}" destId="{AA3F6572-7EB7-457E-8F0A-4842F6FD611E}" srcOrd="0" destOrd="0" presId="urn:microsoft.com/office/officeart/2005/8/layout/vList6"/>
     <dgm:cxn modelId="{CBB13D19-0DD4-45A0-94CE-1E1F51C79A8C}" type="presParOf" srcId="{AA3F6572-7EB7-457E-8F0A-4842F6FD611E}" destId="{E38123E8-F46B-492C-889A-064B7F90CD55}" srcOrd="0" destOrd="0" presId="urn:microsoft.com/office/officeart/2005/8/layout/vList6"/>
     <dgm:cxn modelId="{F858DAFF-B758-4515-8436-814448F57195}" type="presParOf" srcId="{AA3F6572-7EB7-457E-8F0A-4842F6FD611E}" destId="{611E8F6D-94A6-4976-9E0E-21FAF293347E}" srcOrd="1" destOrd="0" presId="urn:microsoft.com/office/officeart/2005/8/layout/vList6"/>
@@ -16295,11 +16295,7 @@
           <a:p>
             <a:r>
               <a:rPr lang="fr-FR" dirty="0" smtClean="0"/>
-              <a:t>Intégrer l’outil dans le système d’information de </a:t>
-            </a:r>
-            <a:r>
-              <a:rPr lang="fr-FR" dirty="0" smtClean="0"/>
-              <a:t>l’université</a:t>
+              <a:t>Intégrer l’outil dans le système d’information de l’université</a:t>
             </a:r>
           </a:p>
           <a:p>
@@ -19760,12 +19756,14 @@
 </file>
 
 <file path=customXml/item1.xml><?xml version="1.0" encoding="utf-8"?>
-<?mso-contentType ?>
-<FormTemplates xmlns="http://schemas.microsoft.com/sharepoint/v3/contenttype/forms">
-  <Display>DocumentLibraryForm</Display>
-  <Edit>DocumentLibraryForm</Edit>
-  <New>DocumentLibraryForm</New>
-</FormTemplates>
+<p:properties xmlns:p="http://schemas.microsoft.com/office/2006/metadata/properties" xmlns:xsi="http://www.w3.org/2001/XMLSchema-instance" xmlns:pc="http://schemas.microsoft.com/office/infopath/2007/PartnerControls">
+  <documentManagement>
+    <VSO_x0020_item_x0020_id xmlns="40262f94-9f35-4ac3-9a90-690165a166b7" xsi:nil="true"/>
+    <Assetid_x0020_ xmlns="40262f94-9f35-4ac3-9a90-690165a166b7" xsi:nil="true"/>
+    <Item_x0020_Details xmlns="40262f94-9f35-4ac3-9a90-690165a166b7" xsi:nil="true"/>
+    <Template_x0020_details xmlns="40262f94-9f35-4ac3-9a90-690165a166b7" xsi:nil="true"/>
+  </documentManagement>
+</p:properties>
 </file>
 
 <file path=customXml/item2.xml><?xml version="1.0" encoding="utf-8"?>
@@ -19950,20 +19948,27 @@
 </file>
 
 <file path=customXml/item3.xml><?xml version="1.0" encoding="utf-8"?>
-<p:properties xmlns:p="http://schemas.microsoft.com/office/2006/metadata/properties" xmlns:xsi="http://www.w3.org/2001/XMLSchema-instance" xmlns:pc="http://schemas.microsoft.com/office/infopath/2007/PartnerControls">
-  <documentManagement>
-    <VSO_x0020_item_x0020_id xmlns="40262f94-9f35-4ac3-9a90-690165a166b7" xsi:nil="true"/>
-    <Assetid_x0020_ xmlns="40262f94-9f35-4ac3-9a90-690165a166b7" xsi:nil="true"/>
-    <Item_x0020_Details xmlns="40262f94-9f35-4ac3-9a90-690165a166b7" xsi:nil="true"/>
-    <Template_x0020_details xmlns="40262f94-9f35-4ac3-9a90-690165a166b7" xsi:nil="true"/>
-  </documentManagement>
-</p:properties>
+<?mso-contentType ?>
+<FormTemplates xmlns="http://schemas.microsoft.com/sharepoint/v3/contenttype/forms">
+  <Display>DocumentLibraryForm</Display>
+  <Edit>DocumentLibraryForm</Edit>
+  <New>DocumentLibraryForm</New>
+</FormTemplates>
 </file>
 
 <file path=customXml/itemProps1.xml><?xml version="1.0" encoding="utf-8"?>
-<ds:datastoreItem xmlns:ds="http://schemas.openxmlformats.org/officeDocument/2006/customXml" ds:itemID="{0875BD71-4A33-4FB7-88CA-777C4D9E6EE5}">
+<ds:datastoreItem xmlns:ds="http://schemas.openxmlformats.org/officeDocument/2006/customXml" ds:itemID="{3049C11C-71DC-49B6-ACD8-27E3AE088D14}">
   <ds:schemaRefs>
-    <ds:schemaRef ds:uri="http://schemas.microsoft.com/sharepoint/v3/contenttype/forms"/>
+    <ds:schemaRef ds:uri="http://purl.org/dc/terms/"/>
+    <ds:schemaRef ds:uri="http://schemas.openxmlformats.org/package/2006/metadata/core-properties"/>
+    <ds:schemaRef ds:uri="http://purl.org/dc/dcmitype/"/>
+    <ds:schemaRef ds:uri="http://schemas.microsoft.com/office/infopath/2007/PartnerControls"/>
+    <ds:schemaRef ds:uri="http://purl.org/dc/elements/1.1/"/>
+    <ds:schemaRef ds:uri="http://schemas.microsoft.com/office/2006/metadata/properties"/>
+    <ds:schemaRef ds:uri="http://schemas.microsoft.com/office/2006/documentManagement/types"/>
+    <ds:schemaRef ds:uri="40262f94-9f35-4ac3-9a90-690165a166b7"/>
+    <ds:schemaRef ds:uri="a4f35948-e619-41b3-aa29-22878b09cfd2"/>
+    <ds:schemaRef ds:uri="http://www.w3.org/XML/1998/namespace"/>
   </ds:schemaRefs>
 </ds:datastoreItem>
 </file>
@@ -19988,18 +19993,9 @@
 </file>
 
 <file path=customXml/itemProps3.xml><?xml version="1.0" encoding="utf-8"?>
-<ds:datastoreItem xmlns:ds="http://schemas.openxmlformats.org/officeDocument/2006/customXml" ds:itemID="{3049C11C-71DC-49B6-ACD8-27E3AE088D14}">
+<ds:datastoreItem xmlns:ds="http://schemas.openxmlformats.org/officeDocument/2006/customXml" ds:itemID="{0875BD71-4A33-4FB7-88CA-777C4D9E6EE5}">
   <ds:schemaRefs>
-    <ds:schemaRef ds:uri="http://purl.org/dc/terms/"/>
-    <ds:schemaRef ds:uri="http://schemas.openxmlformats.org/package/2006/metadata/core-properties"/>
-    <ds:schemaRef ds:uri="http://purl.org/dc/dcmitype/"/>
-    <ds:schemaRef ds:uri="http://schemas.microsoft.com/office/infopath/2007/PartnerControls"/>
-    <ds:schemaRef ds:uri="http://purl.org/dc/elements/1.1/"/>
-    <ds:schemaRef ds:uri="http://schemas.microsoft.com/office/2006/metadata/properties"/>
-    <ds:schemaRef ds:uri="http://schemas.microsoft.com/office/2006/documentManagement/types"/>
-    <ds:schemaRef ds:uri="40262f94-9f35-4ac3-9a90-690165a166b7"/>
-    <ds:schemaRef ds:uri="a4f35948-e619-41b3-aa29-22878b09cfd2"/>
-    <ds:schemaRef ds:uri="http://www.w3.org/XML/1998/namespace"/>
+    <ds:schemaRef ds:uri="http://schemas.microsoft.com/sharepoint/v3/contenttype/forms"/>
   </ds:schemaRefs>
 </ds:datastoreItem>
 </file>
--- a/Présentation de Mattermost.pptx
+++ b/Présentation de Mattermost.pptx
@@ -3059,8 +3059,8 @@
     <dgm:cxn modelId="{B89497E9-A57E-4A78-AA93-469EA2F4AAE4}" srcId="{FB6B9333-3118-4AAE-8AA1-BEFBBD980A63}" destId="{963C69D3-6900-4A19-8628-767CE91AB8EA}" srcOrd="1" destOrd="0" parTransId="{F5C97BB5-3D5A-425A-BEBA-361EFBFD320B}" sibTransId="{5D0F1E9A-6111-4DE5-8EE5-3B62F77D2DA7}"/>
     <dgm:cxn modelId="{94C9C6AB-5C35-4428-BC4D-8BEBBB863847}" type="presOf" srcId="{FB6B9333-3118-4AAE-8AA1-BEFBBD980A63}" destId="{BB1B07EF-2B60-4C74-AADA-C796F63908E0}" srcOrd="0" destOrd="0" presId="urn:microsoft.com/office/officeart/2005/8/layout/vList6"/>
     <dgm:cxn modelId="{DD564F4B-7089-4A93-A38C-55FA22D4E92C}" srcId="{963C69D3-6900-4A19-8628-767CE91AB8EA}" destId="{2D915F47-9ABA-4965-B322-4E15F6510AF4}" srcOrd="0" destOrd="0" parTransId="{64991C01-242C-44FB-B3FD-16D84164E1C5}" sibTransId="{578B0381-6F45-4B75-B292-5B779D05A939}"/>
+    <dgm:cxn modelId="{AF9457A3-1734-4621-9407-B84F2778A6E8}" type="presOf" srcId="{E80023FF-B9D1-4A3E-A93E-3C5A695576F7}" destId="{00F23754-68FA-427A-9C6F-4E4CE23A687A}" srcOrd="0" destOrd="1" presId="urn:microsoft.com/office/officeart/2005/8/layout/vList6"/>
     <dgm:cxn modelId="{F8D2EF9E-BDEE-4678-A8F8-38C22B9CF173}" srcId="{BF9E6173-593F-45F9-ABED-363BD96824EE}" destId="{F8248A93-7E0D-48F8-BB32-3B066A9FD0C6}" srcOrd="0" destOrd="0" parTransId="{62720A01-47FF-49E3-9E9B-DEB76E0BA8E6}" sibTransId="{118CB731-679C-4C2F-BF8B-5E72810DC861}"/>
-    <dgm:cxn modelId="{AF9457A3-1734-4621-9407-B84F2778A6E8}" type="presOf" srcId="{E80023FF-B9D1-4A3E-A93E-3C5A695576F7}" destId="{00F23754-68FA-427A-9C6F-4E4CE23A687A}" srcOrd="0" destOrd="1" presId="urn:microsoft.com/office/officeart/2005/8/layout/vList6"/>
     <dgm:cxn modelId="{B56D85A2-4E9D-43B1-B5FD-E30C261371F3}" type="presParOf" srcId="{BB1B07EF-2B60-4C74-AADA-C796F63908E0}" destId="{AA3F6572-7EB7-457E-8F0A-4842F6FD611E}" srcOrd="0" destOrd="0" presId="urn:microsoft.com/office/officeart/2005/8/layout/vList6"/>
     <dgm:cxn modelId="{CBB13D19-0DD4-45A0-94CE-1E1F51C79A8C}" type="presParOf" srcId="{AA3F6572-7EB7-457E-8F0A-4842F6FD611E}" destId="{E38123E8-F46B-492C-889A-064B7F90CD55}" srcOrd="0" destOrd="0" presId="urn:microsoft.com/office/officeart/2005/8/layout/vList6"/>
     <dgm:cxn modelId="{F858DAFF-B758-4515-8436-814448F57195}" type="presParOf" srcId="{AA3F6572-7EB7-457E-8F0A-4842F6FD611E}" destId="{611E8F6D-94A6-4976-9E0E-21FAF293347E}" srcOrd="1" destOrd="0" presId="urn:microsoft.com/office/officeart/2005/8/layout/vList6"/>
@@ -9376,7 +9376,7 @@
             <a:pPr rtl="0"/>
             <a:fld id="{1BF5C993-8495-4216-89A4-42CD5FDDBACA}" type="datetime1">
               <a:rPr lang="fr-FR" smtClean="0"/>
-              <a:t>01/12/2019</a:t>
+              <a:t>02/12/2019</a:t>
             </a:fld>
             <a:endParaRPr lang="fr-FR" dirty="0"/>
           </a:p>
@@ -9546,7 +9546,7 @@
             <a:pPr rtl="0"/>
             <a:fld id="{2C0862E7-FD40-4D3D-ACE4-67E006776546}" type="datetime1">
               <a:rPr lang="fr-FR" noProof="0" smtClean="0"/>
-              <a:t>01/12/2019</a:t>
+              <a:t>02/12/2019</a:t>
             </a:fld>
             <a:endParaRPr lang="fr-FR" noProof="0" dirty="0"/>
           </a:p>
@@ -11656,7 +11656,7 @@
             <a:pPr rtl="0"/>
             <a:fld id="{59C6914E-1119-4A4B-A3DC-147034B2ECE6}" type="datetime1">
               <a:rPr lang="fr-FR" noProof="0" smtClean="0"/>
-              <a:t>01/12/2019</a:t>
+              <a:t>02/12/2019</a:t>
             </a:fld>
             <a:endParaRPr lang="fr-FR" noProof="0" dirty="0"/>
           </a:p>
@@ -11885,7 +11885,7 @@
             <a:pPr rtl="0"/>
             <a:fld id="{EC69E5DC-658C-47BB-A5D0-330F33AD0363}" type="datetime1">
               <a:rPr lang="fr-FR" noProof="0" smtClean="0"/>
-              <a:t>01/12/2019</a:t>
+              <a:t>02/12/2019</a:t>
             </a:fld>
             <a:endParaRPr lang="fr-FR" noProof="0" dirty="0"/>
           </a:p>
@@ -12092,7 +12092,7 @@
             <a:pPr rtl="0"/>
             <a:fld id="{D2A7BE6E-8411-4A07-90E8-1243C474D5FF}" type="datetime1">
               <a:rPr lang="fr-FR" noProof="0" smtClean="0"/>
-              <a:t>01/12/2019</a:t>
+              <a:t>02/12/2019</a:t>
             </a:fld>
             <a:endParaRPr lang="fr-FR" noProof="0" dirty="0"/>
           </a:p>
@@ -12290,7 +12290,7 @@
             <a:pPr rtl="0"/>
             <a:fld id="{F050B14C-74B9-4974-9E07-5364A6325630}" type="datetime1">
               <a:rPr lang="fr-FR" noProof="0" smtClean="0"/>
-              <a:t>01/12/2019</a:t>
+              <a:t>02/12/2019</a:t>
             </a:fld>
             <a:endParaRPr lang="fr-FR" noProof="0" dirty="0"/>
           </a:p>
@@ -12565,7 +12565,7 @@
             <a:pPr rtl="0"/>
             <a:fld id="{AB011E6E-BA7E-4057-B991-3D369C25AF09}" type="datetime1">
               <a:rPr lang="fr-FR" noProof="0" smtClean="0"/>
-              <a:t>01/12/2019</a:t>
+              <a:t>02/12/2019</a:t>
             </a:fld>
             <a:endParaRPr lang="fr-FR" noProof="0" dirty="0"/>
           </a:p>
@@ -12879,7 +12879,7 @@
             <a:pPr rtl="0"/>
             <a:fld id="{8E3804CD-D4BA-4FA9-A809-5187FBA47AE8}" type="datetime1">
               <a:rPr lang="fr-FR" noProof="0" smtClean="0"/>
-              <a:t>01/12/2019</a:t>
+              <a:t>02/12/2019</a:t>
             </a:fld>
             <a:endParaRPr lang="fr-FR" noProof="0" dirty="0"/>
           </a:p>
@@ -13345,7 +13345,7 @@
             <a:pPr rtl="0"/>
             <a:fld id="{D69C3D8F-253F-4C47-955D-F111C253D839}" type="datetime1">
               <a:rPr lang="fr-FR" noProof="0" smtClean="0"/>
-              <a:t>01/12/2019</a:t>
+              <a:t>02/12/2019</a:t>
             </a:fld>
             <a:endParaRPr lang="fr-FR" noProof="0" dirty="0"/>
           </a:p>
@@ -13482,7 +13482,7 @@
             <a:pPr rtl="0"/>
             <a:fld id="{8270D57C-CFB9-4FFD-92E4-EAF8BD1BA42D}" type="datetime1">
               <a:rPr lang="fr-FR" noProof="0" smtClean="0"/>
-              <a:t>01/12/2019</a:t>
+              <a:t>02/12/2019</a:t>
             </a:fld>
             <a:endParaRPr lang="fr-FR" noProof="0" dirty="0"/>
           </a:p>
@@ -13595,7 +13595,7 @@
             <a:pPr rtl="0"/>
             <a:fld id="{29D61F30-55A4-45BB-9184-EC64D72675E9}" type="datetime1">
               <a:rPr lang="fr-FR" noProof="0" smtClean="0"/>
-              <a:t>01/12/2019</a:t>
+              <a:t>02/12/2019</a:t>
             </a:fld>
             <a:endParaRPr lang="fr-FR" noProof="0" dirty="0"/>
           </a:p>
@@ -13909,7 +13909,7 @@
             <a:pPr rtl="0"/>
             <a:fld id="{092042BC-A942-47C9-A9AC-D65F963D9D0A}" type="datetime1">
               <a:rPr lang="fr-FR" noProof="0" smtClean="0"/>
-              <a:t>01/12/2019</a:t>
+              <a:t>02/12/2019</a:t>
             </a:fld>
             <a:endParaRPr lang="fr-FR" noProof="0" dirty="0"/>
           </a:p>
@@ -14214,7 +14214,7 @@
             <a:pPr rtl="0"/>
             <a:fld id="{25804C06-6B6C-4650-A088-D87F535956EC}" type="datetime1">
               <a:rPr lang="fr-FR" noProof="0" smtClean="0"/>
-              <a:t>01/12/2019</a:t>
+              <a:t>02/12/2019</a:t>
             </a:fld>
             <a:endParaRPr lang="fr-FR" noProof="0" dirty="0"/>
           </a:p>
@@ -14475,7 +14475,7 @@
             <a:pPr rtl="0"/>
             <a:fld id="{39EAFC98-A08A-4C0D-B6B1-41428C534D64}" type="datetime1">
               <a:rPr lang="fr-FR" noProof="0" smtClean="0"/>
-              <a:t>01/12/2019</a:t>
+              <a:t>02/12/2019</a:t>
             </a:fld>
             <a:endParaRPr lang="fr-FR" noProof="0" dirty="0"/>
           </a:p>
@@ -16036,13 +16036,28 @@
           <a:p>
             <a:r>
               <a:rPr lang="fr-FR" dirty="0" smtClean="0"/>
-              <a:t>Ajout de plugins</a:t>
+              <a:t>Ajout de </a:t>
             </a:r>
-          </a:p>
-          <a:p>
             <a:r>
               <a:rPr lang="fr-FR" dirty="0" smtClean="0"/>
-              <a:t>Connexion serveur SMTP</a:t>
+              <a:t>plugins</a:t>
+            </a:r>
+            <a:endParaRPr lang="fr-FR" dirty="0" smtClean="0"/>
+          </a:p>
+          <a:p>
+            <a:r>
+              <a:rPr lang="fr-FR" dirty="0" smtClean="0"/>
+              <a:t>Connexion serveur </a:t>
+            </a:r>
+            <a:r>
+              <a:rPr lang="fr-FR" dirty="0" smtClean="0"/>
+              <a:t>SMTP</a:t>
+            </a:r>
+          </a:p>
+          <a:p>
+            <a:r>
+              <a:rPr lang="fr-FR" dirty="0" smtClean="0"/>
+              <a:t>Compatibilité mobile</a:t>
             </a:r>
             <a:endParaRPr lang="fr-FR" dirty="0"/>
           </a:p>
@@ -16174,22 +16189,272 @@
       </p:pic>
       <p:pic>
         <p:nvPicPr>
-          <p:cNvPr id="6" name="Image 5"/>
+          <p:cNvPr id="2" name="Image 1" descr="File:Saint Andrew's cross (red).svg - Wikimedia Commons"/>
           <p:cNvPicPr>
             <a:picLocks noChangeAspect="1"/>
           </p:cNvPicPr>
           <p:nvPr/>
         </p:nvPicPr>
         <p:blipFill>
-          <a:blip r:embed="rId5"/>
+          <a:blip r:embed="rId5" cstate="print">
+            <a:extLst>
+              <a:ext uri="{28A0092B-C50C-407E-A947-70E740481C1C}">
+                <a14:useLocalDpi xmlns:a14="http://schemas.microsoft.com/office/drawing/2010/main" val="0"/>
+              </a:ext>
+            </a:extLst>
+          </a:blip>
           <a:stretch>
             <a:fillRect/>
           </a:stretch>
         </p:blipFill>
         <p:spPr>
           <a:xfrm>
-            <a:off x="9046741" y="2636913"/>
-            <a:ext cx="1619674" cy="1619674"/>
+            <a:off x="1381323" y="2491556"/>
+            <a:ext cx="1709936" cy="1709936"/>
+          </a:xfrm>
+          <a:prstGeom prst="rect">
+            <a:avLst/>
+          </a:prstGeom>
+        </p:spPr>
+      </p:pic>
+      <p:pic>
+        <p:nvPicPr>
+          <p:cNvPr id="7" name="Image 6" descr="File:Saint Andrew's cross (red).svg - Wikimedia Commons"/>
+          <p:cNvPicPr>
+            <a:picLocks noChangeAspect="1"/>
+          </p:cNvPicPr>
+          <p:nvPr/>
+        </p:nvPicPr>
+        <p:blipFill>
+          <a:blip r:embed="rId5" cstate="print">
+            <a:extLst>
+              <a:ext uri="{28A0092B-C50C-407E-A947-70E740481C1C}">
+                <a14:useLocalDpi xmlns:a14="http://schemas.microsoft.com/office/drawing/2010/main" val="0"/>
+              </a:ext>
+            </a:extLst>
+          </a:blip>
+          <a:stretch>
+            <a:fillRect/>
+          </a:stretch>
+        </p:blipFill>
+        <p:spPr>
+          <a:xfrm>
+            <a:off x="5456163" y="2596391"/>
+            <a:ext cx="1709936" cy="1709936"/>
+          </a:xfrm>
+          <a:prstGeom prst="rect">
+            <a:avLst/>
+          </a:prstGeom>
+        </p:spPr>
+      </p:pic>
+      <p:sp>
+        <p:nvSpPr>
+          <p:cNvPr id="9" name="ZoneTexte 8"/>
+          <p:cNvSpPr txBox="1"/>
+          <p:nvPr/>
+        </p:nvSpPr>
+        <p:spPr>
+          <a:xfrm>
+            <a:off x="1601619" y="4636349"/>
+            <a:ext cx="2249160" cy="461665"/>
+          </a:xfrm>
+          <a:prstGeom prst="rect">
+            <a:avLst/>
+          </a:prstGeom>
+          <a:noFill/>
+          <a:ln>
+            <a:noFill/>
+          </a:ln>
+        </p:spPr>
+        <p:txBody>
+          <a:bodyPr wrap="square" rtlCol="0" anchor="ctr" anchorCtr="1">
+            <a:spAutoFit/>
+          </a:bodyPr>
+          <a:lstStyle/>
+          <a:p>
+            <a:r>
+              <a:rPr lang="fr-FR" sz="2400" dirty="0" smtClean="0"/>
+              <a:t>Payant</a:t>
+            </a:r>
+            <a:endParaRPr lang="fr-FR" sz="2400" dirty="0"/>
+          </a:p>
+        </p:txBody>
+      </p:sp>
+      <p:sp>
+        <p:nvSpPr>
+          <p:cNvPr id="10" name="Flèche droite 9"/>
+          <p:cNvSpPr/>
+          <p:nvPr/>
+        </p:nvSpPr>
+        <p:spPr>
+          <a:xfrm>
+            <a:off x="626277" y="4583594"/>
+            <a:ext cx="936104" cy="567174"/>
+          </a:xfrm>
+          <a:prstGeom prst="rightArrow">
+            <a:avLst/>
+          </a:prstGeom>
+          <a:solidFill>
+            <a:srgbClr val="FFFF00"/>
+          </a:solidFill>
+          <a:ln>
+            <a:noFill/>
+          </a:ln>
+        </p:spPr>
+        <p:style>
+          <a:lnRef idx="3">
+            <a:schemeClr val="lt1"/>
+          </a:lnRef>
+          <a:fillRef idx="1">
+            <a:schemeClr val="accent5"/>
+          </a:fillRef>
+          <a:effectRef idx="1">
+            <a:schemeClr val="accent5"/>
+          </a:effectRef>
+          <a:fontRef idx="minor">
+            <a:schemeClr val="lt1"/>
+          </a:fontRef>
+        </p:style>
+        <p:txBody>
+          <a:bodyPr rtlCol="0" anchor="ctr"/>
+          <a:lstStyle/>
+          <a:p>
+            <a:pPr algn="ctr"/>
+            <a:endParaRPr lang="fr-FR" dirty="0"/>
+          </a:p>
+        </p:txBody>
+      </p:sp>
+      <p:sp>
+        <p:nvSpPr>
+          <p:cNvPr id="11" name="ZoneTexte 10"/>
+          <p:cNvSpPr txBox="1"/>
+          <p:nvPr/>
+        </p:nvSpPr>
+        <p:spPr>
+          <a:xfrm>
+            <a:off x="1601618" y="5117371"/>
+            <a:ext cx="7805161" cy="830997"/>
+          </a:xfrm>
+          <a:prstGeom prst="rect">
+            <a:avLst/>
+          </a:prstGeom>
+          <a:noFill/>
+          <a:ln>
+            <a:noFill/>
+          </a:ln>
+        </p:spPr>
+        <p:txBody>
+          <a:bodyPr wrap="square" rtlCol="0" anchor="ctr" anchorCtr="1">
+            <a:spAutoFit/>
+          </a:bodyPr>
+          <a:lstStyle/>
+          <a:p>
+            <a:r>
+              <a:rPr lang="fr-FR" sz="2400" dirty="0" smtClean="0"/>
+              <a:t>Gestion des données en contradiction avec le cœur du projet</a:t>
+            </a:r>
+            <a:endParaRPr lang="fr-FR" sz="2400" dirty="0"/>
+          </a:p>
+        </p:txBody>
+      </p:sp>
+      <p:sp>
+        <p:nvSpPr>
+          <p:cNvPr id="12" name="Flèche droite 11"/>
+          <p:cNvSpPr/>
+          <p:nvPr/>
+        </p:nvSpPr>
+        <p:spPr>
+          <a:xfrm>
+            <a:off x="626277" y="5249282"/>
+            <a:ext cx="936104" cy="567174"/>
+          </a:xfrm>
+          <a:prstGeom prst="rightArrow">
+            <a:avLst/>
+          </a:prstGeom>
+          <a:solidFill>
+            <a:srgbClr val="FFFF00"/>
+          </a:solidFill>
+          <a:ln>
+            <a:noFill/>
+          </a:ln>
+        </p:spPr>
+        <p:style>
+          <a:lnRef idx="3">
+            <a:schemeClr val="lt1"/>
+          </a:lnRef>
+          <a:fillRef idx="1">
+            <a:schemeClr val="accent5"/>
+          </a:fillRef>
+          <a:effectRef idx="1">
+            <a:schemeClr val="accent5"/>
+          </a:effectRef>
+          <a:fontRef idx="minor">
+            <a:schemeClr val="lt1"/>
+          </a:fontRef>
+        </p:style>
+        <p:txBody>
+          <a:bodyPr rtlCol="0" anchor="ctr"/>
+          <a:lstStyle/>
+          <a:p>
+            <a:pPr algn="ctr"/>
+            <a:endParaRPr lang="fr-FR" dirty="0"/>
+          </a:p>
+        </p:txBody>
+      </p:sp>
+      <p:pic>
+        <p:nvPicPr>
+          <p:cNvPr id="14" name="Image 13"/>
+          <p:cNvPicPr>
+            <a:picLocks noChangeAspect="1"/>
+          </p:cNvPicPr>
+          <p:nvPr/>
+        </p:nvPicPr>
+        <p:blipFill>
+          <a:blip r:embed="rId6">
+            <a:extLst>
+              <a:ext uri="{28A0092B-C50C-407E-A947-70E740481C1C}">
+                <a14:useLocalDpi xmlns:a14="http://schemas.microsoft.com/office/drawing/2010/main" val="0"/>
+              </a:ext>
+            </a:extLst>
+          </a:blip>
+          <a:stretch>
+            <a:fillRect/>
+          </a:stretch>
+        </p:blipFill>
+        <p:spPr>
+          <a:xfrm>
+            <a:off x="8939663" y="2596391"/>
+            <a:ext cx="1726751" cy="1732507"/>
+          </a:xfrm>
+          <a:prstGeom prst="rect">
+            <a:avLst/>
+          </a:prstGeom>
+        </p:spPr>
+      </p:pic>
+      <p:pic>
+        <p:nvPicPr>
+          <p:cNvPr id="15" name="Image 14" descr="File:Noto Emoji Oreo 2714.svg - Wikimedia Commons"/>
+          <p:cNvPicPr>
+            <a:picLocks noChangeAspect="1"/>
+          </p:cNvPicPr>
+          <p:nvPr/>
+        </p:nvPicPr>
+        <p:blipFill>
+          <a:blip r:embed="rId7">
+            <a:extLst>
+              <a:ext uri="{28A0092B-C50C-407E-A947-70E740481C1C}">
+                <a14:useLocalDpi xmlns:a14="http://schemas.microsoft.com/office/drawing/2010/main" val="0"/>
+              </a:ext>
+            </a:extLst>
+          </a:blip>
+          <a:stretch>
+            <a:fillRect/>
+          </a:stretch>
+        </p:blipFill>
+        <p:spPr>
+          <a:xfrm>
+            <a:off x="8805756" y="2381390"/>
+            <a:ext cx="2050997" cy="2050997"/>
           </a:xfrm>
           <a:prstGeom prst="rect">
             <a:avLst/>
@@ -16221,9 +16486,426 @@
   <p:timing>
     <p:tnLst>
       <p:par>
-        <p:cTn id="1" dur="indefinite" restart="never" nodeType="tmRoot"/>
+        <p:cTn id="1" dur="indefinite" restart="never" nodeType="tmRoot">
+          <p:childTnLst>
+            <p:seq concurrent="1" nextAc="seek">
+              <p:cTn id="2" dur="indefinite" nodeType="mainSeq">
+                <p:childTnLst>
+                  <p:par>
+                    <p:cTn id="3" fill="hold">
+                      <p:stCondLst>
+                        <p:cond delay="indefinite"/>
+                      </p:stCondLst>
+                      <p:childTnLst>
+                        <p:par>
+                          <p:cTn id="4" fill="hold">
+                            <p:stCondLst>
+                              <p:cond delay="0"/>
+                            </p:stCondLst>
+                            <p:childTnLst>
+                              <p:par>
+                                <p:cTn id="5" presetID="10" presetClass="entr" presetSubtype="0" fill="hold" nodeType="clickEffect">
+                                  <p:stCondLst>
+                                    <p:cond delay="0"/>
+                                  </p:stCondLst>
+                                  <p:childTnLst>
+                                    <p:set>
+                                      <p:cBhvr>
+                                        <p:cTn id="6" dur="1" fill="hold">
+                                          <p:stCondLst>
+                                            <p:cond delay="0"/>
+                                          </p:stCondLst>
+                                        </p:cTn>
+                                        <p:tgtEl>
+                                          <p:spTgt spid="2"/>
+                                        </p:tgtEl>
+                                        <p:attrNameLst>
+                                          <p:attrName>style.visibility</p:attrName>
+                                        </p:attrNameLst>
+                                      </p:cBhvr>
+                                      <p:to>
+                                        <p:strVal val="visible"/>
+                                      </p:to>
+                                    </p:set>
+                                    <p:animEffect transition="in" filter="fade">
+                                      <p:cBhvr>
+                                        <p:cTn id="7" dur="500"/>
+                                        <p:tgtEl>
+                                          <p:spTgt spid="2"/>
+                                        </p:tgtEl>
+                                      </p:cBhvr>
+                                    </p:animEffect>
+                                  </p:childTnLst>
+                                </p:cTn>
+                              </p:par>
+                            </p:childTnLst>
+                          </p:cTn>
+                        </p:par>
+                      </p:childTnLst>
+                    </p:cTn>
+                  </p:par>
+                  <p:par>
+                    <p:cTn id="8" fill="hold">
+                      <p:stCondLst>
+                        <p:cond delay="indefinite"/>
+                      </p:stCondLst>
+                      <p:childTnLst>
+                        <p:par>
+                          <p:cTn id="9" fill="hold">
+                            <p:stCondLst>
+                              <p:cond delay="0"/>
+                            </p:stCondLst>
+                            <p:childTnLst>
+                              <p:par>
+                                <p:cTn id="10" presetID="10" presetClass="entr" presetSubtype="0" fill="hold" nodeType="clickEffect">
+                                  <p:stCondLst>
+                                    <p:cond delay="0"/>
+                                  </p:stCondLst>
+                                  <p:childTnLst>
+                                    <p:set>
+                                      <p:cBhvr>
+                                        <p:cTn id="11" dur="1" fill="hold">
+                                          <p:stCondLst>
+                                            <p:cond delay="0"/>
+                                          </p:stCondLst>
+                                        </p:cTn>
+                                        <p:tgtEl>
+                                          <p:spTgt spid="7"/>
+                                        </p:tgtEl>
+                                        <p:attrNameLst>
+                                          <p:attrName>style.visibility</p:attrName>
+                                        </p:attrNameLst>
+                                      </p:cBhvr>
+                                      <p:to>
+                                        <p:strVal val="visible"/>
+                                      </p:to>
+                                    </p:set>
+                                    <p:animEffect transition="in" filter="fade">
+                                      <p:cBhvr>
+                                        <p:cTn id="12" dur="500"/>
+                                        <p:tgtEl>
+                                          <p:spTgt spid="7"/>
+                                        </p:tgtEl>
+                                      </p:cBhvr>
+                                    </p:animEffect>
+                                  </p:childTnLst>
+                                </p:cTn>
+                              </p:par>
+                            </p:childTnLst>
+                          </p:cTn>
+                        </p:par>
+                      </p:childTnLst>
+                    </p:cTn>
+                  </p:par>
+                  <p:par>
+                    <p:cTn id="13" fill="hold">
+                      <p:stCondLst>
+                        <p:cond delay="indefinite"/>
+                      </p:stCondLst>
+                      <p:childTnLst>
+                        <p:par>
+                          <p:cTn id="14" fill="hold">
+                            <p:stCondLst>
+                              <p:cond delay="0"/>
+                            </p:stCondLst>
+                            <p:childTnLst>
+                              <p:par>
+                                <p:cTn id="15" presetID="10" presetClass="entr" presetSubtype="0" fill="hold" grpId="0" nodeType="clickEffect">
+                                  <p:stCondLst>
+                                    <p:cond delay="0"/>
+                                  </p:stCondLst>
+                                  <p:childTnLst>
+                                    <p:set>
+                                      <p:cBhvr>
+                                        <p:cTn id="16" dur="1" fill="hold">
+                                          <p:stCondLst>
+                                            <p:cond delay="0"/>
+                                          </p:stCondLst>
+                                        </p:cTn>
+                                        <p:tgtEl>
+                                          <p:spTgt spid="10"/>
+                                        </p:tgtEl>
+                                        <p:attrNameLst>
+                                          <p:attrName>style.visibility</p:attrName>
+                                        </p:attrNameLst>
+                                      </p:cBhvr>
+                                      <p:to>
+                                        <p:strVal val="visible"/>
+                                      </p:to>
+                                    </p:set>
+                                    <p:animEffect transition="in" filter="fade">
+                                      <p:cBhvr>
+                                        <p:cTn id="17" dur="500"/>
+                                        <p:tgtEl>
+                                          <p:spTgt spid="10"/>
+                                        </p:tgtEl>
+                                      </p:cBhvr>
+                                    </p:animEffect>
+                                  </p:childTnLst>
+                                </p:cTn>
+                              </p:par>
+                              <p:par>
+                                <p:cTn id="18" presetID="10" presetClass="entr" presetSubtype="0" fill="hold" grpId="0" nodeType="withEffect">
+                                  <p:stCondLst>
+                                    <p:cond delay="0"/>
+                                  </p:stCondLst>
+                                  <p:childTnLst>
+                                    <p:set>
+                                      <p:cBhvr>
+                                        <p:cTn id="19" dur="1" fill="hold">
+                                          <p:stCondLst>
+                                            <p:cond delay="0"/>
+                                          </p:stCondLst>
+                                        </p:cTn>
+                                        <p:tgtEl>
+                                          <p:spTgt spid="9"/>
+                                        </p:tgtEl>
+                                        <p:attrNameLst>
+                                          <p:attrName>style.visibility</p:attrName>
+                                        </p:attrNameLst>
+                                      </p:cBhvr>
+                                      <p:to>
+                                        <p:strVal val="visible"/>
+                                      </p:to>
+                                    </p:set>
+                                    <p:animEffect transition="in" filter="fade">
+                                      <p:cBhvr>
+                                        <p:cTn id="20" dur="500"/>
+                                        <p:tgtEl>
+                                          <p:spTgt spid="9"/>
+                                        </p:tgtEl>
+                                      </p:cBhvr>
+                                    </p:animEffect>
+                                  </p:childTnLst>
+                                </p:cTn>
+                              </p:par>
+                            </p:childTnLst>
+                          </p:cTn>
+                        </p:par>
+                      </p:childTnLst>
+                    </p:cTn>
+                  </p:par>
+                  <p:par>
+                    <p:cTn id="21" fill="hold">
+                      <p:stCondLst>
+                        <p:cond delay="indefinite"/>
+                      </p:stCondLst>
+                      <p:childTnLst>
+                        <p:par>
+                          <p:cTn id="22" fill="hold">
+                            <p:stCondLst>
+                              <p:cond delay="0"/>
+                            </p:stCondLst>
+                            <p:childTnLst>
+                              <p:par>
+                                <p:cTn id="23" presetID="10" presetClass="entr" presetSubtype="0" fill="hold" grpId="0" nodeType="clickEffect">
+                                  <p:stCondLst>
+                                    <p:cond delay="0"/>
+                                  </p:stCondLst>
+                                  <p:childTnLst>
+                                    <p:set>
+                                      <p:cBhvr>
+                                        <p:cTn id="24" dur="1" fill="hold">
+                                          <p:stCondLst>
+                                            <p:cond delay="0"/>
+                                          </p:stCondLst>
+                                        </p:cTn>
+                                        <p:tgtEl>
+                                          <p:spTgt spid="12"/>
+                                        </p:tgtEl>
+                                        <p:attrNameLst>
+                                          <p:attrName>style.visibility</p:attrName>
+                                        </p:attrNameLst>
+                                      </p:cBhvr>
+                                      <p:to>
+                                        <p:strVal val="visible"/>
+                                      </p:to>
+                                    </p:set>
+                                    <p:animEffect transition="in" filter="fade">
+                                      <p:cBhvr>
+                                        <p:cTn id="25" dur="500"/>
+                                        <p:tgtEl>
+                                          <p:spTgt spid="12"/>
+                                        </p:tgtEl>
+                                      </p:cBhvr>
+                                    </p:animEffect>
+                                  </p:childTnLst>
+                                </p:cTn>
+                              </p:par>
+                              <p:par>
+                                <p:cTn id="26" presetID="10" presetClass="entr" presetSubtype="0" fill="hold" grpId="0" nodeType="withEffect">
+                                  <p:stCondLst>
+                                    <p:cond delay="0"/>
+                                  </p:stCondLst>
+                                  <p:childTnLst>
+                                    <p:set>
+                                      <p:cBhvr>
+                                        <p:cTn id="27" dur="1" fill="hold">
+                                          <p:stCondLst>
+                                            <p:cond delay="0"/>
+                                          </p:stCondLst>
+                                        </p:cTn>
+                                        <p:tgtEl>
+                                          <p:spTgt spid="11"/>
+                                        </p:tgtEl>
+                                        <p:attrNameLst>
+                                          <p:attrName>style.visibility</p:attrName>
+                                        </p:attrNameLst>
+                                      </p:cBhvr>
+                                      <p:to>
+                                        <p:strVal val="visible"/>
+                                      </p:to>
+                                    </p:set>
+                                    <p:animEffect transition="in" filter="fade">
+                                      <p:cBhvr>
+                                        <p:cTn id="28" dur="500"/>
+                                        <p:tgtEl>
+                                          <p:spTgt spid="11"/>
+                                        </p:tgtEl>
+                                      </p:cBhvr>
+                                    </p:animEffect>
+                                  </p:childTnLst>
+                                </p:cTn>
+                              </p:par>
+                            </p:childTnLst>
+                          </p:cTn>
+                        </p:par>
+                      </p:childTnLst>
+                    </p:cTn>
+                  </p:par>
+                  <p:par>
+                    <p:cTn id="29" fill="hold">
+                      <p:stCondLst>
+                        <p:cond delay="indefinite"/>
+                      </p:stCondLst>
+                      <p:childTnLst>
+                        <p:par>
+                          <p:cTn id="30" fill="hold">
+                            <p:stCondLst>
+                              <p:cond delay="0"/>
+                            </p:stCondLst>
+                            <p:childTnLst>
+                              <p:par>
+                                <p:cTn id="31" presetID="10" presetClass="entr" presetSubtype="0" fill="hold" nodeType="clickEffect">
+                                  <p:stCondLst>
+                                    <p:cond delay="0"/>
+                                  </p:stCondLst>
+                                  <p:childTnLst>
+                                    <p:set>
+                                      <p:cBhvr>
+                                        <p:cTn id="32" dur="1" fill="hold">
+                                          <p:stCondLst>
+                                            <p:cond delay="0"/>
+                                          </p:stCondLst>
+                                        </p:cTn>
+                                        <p:tgtEl>
+                                          <p:spTgt spid="14"/>
+                                        </p:tgtEl>
+                                        <p:attrNameLst>
+                                          <p:attrName>style.visibility</p:attrName>
+                                        </p:attrNameLst>
+                                      </p:cBhvr>
+                                      <p:to>
+                                        <p:strVal val="visible"/>
+                                      </p:to>
+                                    </p:set>
+                                    <p:animEffect transition="in" filter="fade">
+                                      <p:cBhvr>
+                                        <p:cTn id="33" dur="500"/>
+                                        <p:tgtEl>
+                                          <p:spTgt spid="14"/>
+                                        </p:tgtEl>
+                                      </p:cBhvr>
+                                    </p:animEffect>
+                                  </p:childTnLst>
+                                </p:cTn>
+                              </p:par>
+                            </p:childTnLst>
+                          </p:cTn>
+                        </p:par>
+                      </p:childTnLst>
+                    </p:cTn>
+                  </p:par>
+                  <p:par>
+                    <p:cTn id="34" fill="hold">
+                      <p:stCondLst>
+                        <p:cond delay="indefinite"/>
+                      </p:stCondLst>
+                      <p:childTnLst>
+                        <p:par>
+                          <p:cTn id="35" fill="hold">
+                            <p:stCondLst>
+                              <p:cond delay="0"/>
+                            </p:stCondLst>
+                            <p:childTnLst>
+                              <p:par>
+                                <p:cTn id="36" presetID="10" presetClass="entr" presetSubtype="0" fill="hold" nodeType="clickEffect">
+                                  <p:stCondLst>
+                                    <p:cond delay="0"/>
+                                  </p:stCondLst>
+                                  <p:childTnLst>
+                                    <p:set>
+                                      <p:cBhvr>
+                                        <p:cTn id="37" dur="1" fill="hold">
+                                          <p:stCondLst>
+                                            <p:cond delay="0"/>
+                                          </p:stCondLst>
+                                        </p:cTn>
+                                        <p:tgtEl>
+                                          <p:spTgt spid="15"/>
+                                        </p:tgtEl>
+                                        <p:attrNameLst>
+                                          <p:attrName>style.visibility</p:attrName>
+                                        </p:attrNameLst>
+                                      </p:cBhvr>
+                                      <p:to>
+                                        <p:strVal val="visible"/>
+                                      </p:to>
+                                    </p:set>
+                                    <p:animEffect transition="in" filter="fade">
+                                      <p:cBhvr>
+                                        <p:cTn id="38" dur="500"/>
+                                        <p:tgtEl>
+                                          <p:spTgt spid="15"/>
+                                        </p:tgtEl>
+                                      </p:cBhvr>
+                                    </p:animEffect>
+                                  </p:childTnLst>
+                                </p:cTn>
+                              </p:par>
+                            </p:childTnLst>
+                          </p:cTn>
+                        </p:par>
+                      </p:childTnLst>
+                    </p:cTn>
+                  </p:par>
+                </p:childTnLst>
+              </p:cTn>
+              <p:prevCondLst>
+                <p:cond evt="onPrev" delay="0">
+                  <p:tgtEl>
+                    <p:sldTgt/>
+                  </p:tgtEl>
+                </p:cond>
+              </p:prevCondLst>
+              <p:nextCondLst>
+                <p:cond evt="onNext" delay="0">
+                  <p:tgtEl>
+                    <p:sldTgt/>
+                  </p:tgtEl>
+                </p:cond>
+              </p:nextCondLst>
+            </p:seq>
+          </p:childTnLst>
+        </p:cTn>
       </p:par>
     </p:tnLst>
+    <p:bldLst>
+      <p:bldP spid="9" grpId="0"/>
+      <p:bldP spid="10" grpId="0" animBg="1"/>
+      <p:bldP spid="11" grpId="0"/>
+      <p:bldP spid="12" grpId="0" animBg="1"/>
+    </p:bldLst>
   </p:timing>
 </p:sld>
 </file>
@@ -16768,27 +17450,22 @@
       </p:sp>
       <p:pic>
         <p:nvPicPr>
-          <p:cNvPr id="3" name="Image 2"/>
+          <p:cNvPr id="4" name="Image 3"/>
           <p:cNvPicPr>
             <a:picLocks noChangeAspect="1"/>
           </p:cNvPicPr>
           <p:nvPr/>
         </p:nvPicPr>
-        <p:blipFill rotWithShape="1">
-          <a:blip r:embed="rId3">
-            <a:extLst>
-              <a:ext uri="{28A0092B-C50C-407E-A947-70E740481C1C}">
-                <a14:useLocalDpi xmlns:a14="http://schemas.microsoft.com/office/drawing/2010/main" val="0"/>
-              </a:ext>
-            </a:extLst>
-          </a:blip>
-          <a:srcRect t="24407" r="1373"/>
-          <a:stretch/>
+        <p:blipFill>
+          <a:blip r:embed="rId3"/>
+          <a:stretch>
+            <a:fillRect/>
+          </a:stretch>
         </p:blipFill>
         <p:spPr>
           <a:xfrm>
-            <a:off x="1629916" y="2060848"/>
-            <a:ext cx="6408712" cy="3683999"/>
+            <a:off x="1341884" y="2144628"/>
+            <a:ext cx="8277769" cy="4026775"/>
           </a:xfrm>
           <a:prstGeom prst="rect">
             <a:avLst/>
@@ -16851,7 +17528,7 @@
                                           </p:stCondLst>
                                         </p:cTn>
                                         <p:tgtEl>
-                                          <p:spTgt spid="3"/>
+                                          <p:spTgt spid="4"/>
                                         </p:tgtEl>
                                         <p:attrNameLst>
                                           <p:attrName>style.visibility</p:attrName>
@@ -16865,7 +17542,7 @@
                                       <p:cBhvr>
                                         <p:cTn id="7" dur="500"/>
                                         <p:tgtEl>
-                                          <p:spTgt spid="3"/>
+                                          <p:spTgt spid="4"/>
                                         </p:tgtEl>
                                       </p:cBhvr>
                                     </p:animEffect>
@@ -18140,9 +18817,7 @@
           </a:prstGeom>
           <a:noFill/>
           <a:ln>
-            <a:solidFill>
-              <a:schemeClr val="bg2"/>
-            </a:solidFill>
+            <a:noFill/>
           </a:ln>
         </p:spPr>
         <p:txBody>
@@ -18179,9 +18854,7 @@
           </a:prstGeom>
           <a:noFill/>
           <a:ln>
-            <a:solidFill>
-              <a:schemeClr val="bg2"/>
-            </a:solidFill>
+            <a:noFill/>
           </a:ln>
         </p:spPr>
         <p:txBody>
@@ -18213,9 +18886,7 @@
           </a:prstGeom>
           <a:noFill/>
           <a:ln>
-            <a:solidFill>
-              <a:schemeClr val="bg2"/>
-            </a:solidFill>
+            <a:noFill/>
           </a:ln>
         </p:spPr>
         <p:txBody>
@@ -18683,9 +19354,9 @@
       </p:par>
     </p:tnLst>
     <p:bldLst>
-      <p:bldP spid="9" grpId="0" animBg="1"/>
-      <p:bldP spid="10" grpId="0" animBg="1"/>
-      <p:bldP spid="12" grpId="0" animBg="1"/>
+      <p:bldP spid="9" grpId="0"/>
+      <p:bldP spid="10" grpId="0"/>
+      <p:bldP spid="12" grpId="0"/>
       <p:bldP spid="14" grpId="0" animBg="1"/>
       <p:bldP spid="16" grpId="0" animBg="1"/>
       <p:bldP spid="17" grpId="0" animBg="1"/>
@@ -19756,14 +20427,12 @@
 </file>
 
 <file path=customXml/item1.xml><?xml version="1.0" encoding="utf-8"?>
-<p:properties xmlns:p="http://schemas.microsoft.com/office/2006/metadata/properties" xmlns:xsi="http://www.w3.org/2001/XMLSchema-instance" xmlns:pc="http://schemas.microsoft.com/office/infopath/2007/PartnerControls">
-  <documentManagement>
-    <VSO_x0020_item_x0020_id xmlns="40262f94-9f35-4ac3-9a90-690165a166b7" xsi:nil="true"/>
-    <Assetid_x0020_ xmlns="40262f94-9f35-4ac3-9a90-690165a166b7" xsi:nil="true"/>
-    <Item_x0020_Details xmlns="40262f94-9f35-4ac3-9a90-690165a166b7" xsi:nil="true"/>
-    <Template_x0020_details xmlns="40262f94-9f35-4ac3-9a90-690165a166b7" xsi:nil="true"/>
-  </documentManagement>
-</p:properties>
+<?mso-contentType ?>
+<FormTemplates xmlns="http://schemas.microsoft.com/sharepoint/v3/contenttype/forms">
+  <Display>DocumentLibraryForm</Display>
+  <Edit>DocumentLibraryForm</Edit>
+  <New>DocumentLibraryForm</New>
+</FormTemplates>
 </file>
 
 <file path=customXml/item2.xml><?xml version="1.0" encoding="utf-8"?>
@@ -19948,27 +20617,20 @@
 </file>
 
 <file path=customXml/item3.xml><?xml version="1.0" encoding="utf-8"?>
-<?mso-contentType ?>
-<FormTemplates xmlns="http://schemas.microsoft.com/sharepoint/v3/contenttype/forms">
-  <Display>DocumentLibraryForm</Display>
-  <Edit>DocumentLibraryForm</Edit>
-  <New>DocumentLibraryForm</New>
-</FormTemplates>
+<p:properties xmlns:p="http://schemas.microsoft.com/office/2006/metadata/properties" xmlns:xsi="http://www.w3.org/2001/XMLSchema-instance" xmlns:pc="http://schemas.microsoft.com/office/infopath/2007/PartnerControls">
+  <documentManagement>
+    <VSO_x0020_item_x0020_id xmlns="40262f94-9f35-4ac3-9a90-690165a166b7" xsi:nil="true"/>
+    <Assetid_x0020_ xmlns="40262f94-9f35-4ac3-9a90-690165a166b7" xsi:nil="true"/>
+    <Item_x0020_Details xmlns="40262f94-9f35-4ac3-9a90-690165a166b7" xsi:nil="true"/>
+    <Template_x0020_details xmlns="40262f94-9f35-4ac3-9a90-690165a166b7" xsi:nil="true"/>
+  </documentManagement>
+</p:properties>
 </file>
 
 <file path=customXml/itemProps1.xml><?xml version="1.0" encoding="utf-8"?>
-<ds:datastoreItem xmlns:ds="http://schemas.openxmlformats.org/officeDocument/2006/customXml" ds:itemID="{3049C11C-71DC-49B6-ACD8-27E3AE088D14}">
+<ds:datastoreItem xmlns:ds="http://schemas.openxmlformats.org/officeDocument/2006/customXml" ds:itemID="{0875BD71-4A33-4FB7-88CA-777C4D9E6EE5}">
   <ds:schemaRefs>
-    <ds:schemaRef ds:uri="http://purl.org/dc/terms/"/>
-    <ds:schemaRef ds:uri="http://schemas.openxmlformats.org/package/2006/metadata/core-properties"/>
-    <ds:schemaRef ds:uri="http://purl.org/dc/dcmitype/"/>
-    <ds:schemaRef ds:uri="http://schemas.microsoft.com/office/infopath/2007/PartnerControls"/>
-    <ds:schemaRef ds:uri="http://purl.org/dc/elements/1.1/"/>
-    <ds:schemaRef ds:uri="http://schemas.microsoft.com/office/2006/metadata/properties"/>
-    <ds:schemaRef ds:uri="http://schemas.microsoft.com/office/2006/documentManagement/types"/>
-    <ds:schemaRef ds:uri="40262f94-9f35-4ac3-9a90-690165a166b7"/>
-    <ds:schemaRef ds:uri="a4f35948-e619-41b3-aa29-22878b09cfd2"/>
-    <ds:schemaRef ds:uri="http://www.w3.org/XML/1998/namespace"/>
+    <ds:schemaRef ds:uri="http://schemas.microsoft.com/sharepoint/v3/contenttype/forms"/>
   </ds:schemaRefs>
 </ds:datastoreItem>
 </file>
@@ -19993,9 +20655,18 @@
 </file>
 
 <file path=customXml/itemProps3.xml><?xml version="1.0" encoding="utf-8"?>
-<ds:datastoreItem xmlns:ds="http://schemas.openxmlformats.org/officeDocument/2006/customXml" ds:itemID="{0875BD71-4A33-4FB7-88CA-777C4D9E6EE5}">
+<ds:datastoreItem xmlns:ds="http://schemas.openxmlformats.org/officeDocument/2006/customXml" ds:itemID="{3049C11C-71DC-49B6-ACD8-27E3AE088D14}">
   <ds:schemaRefs>
-    <ds:schemaRef ds:uri="http://schemas.microsoft.com/sharepoint/v3/contenttype/forms"/>
+    <ds:schemaRef ds:uri="http://purl.org/dc/terms/"/>
+    <ds:schemaRef ds:uri="http://schemas.openxmlformats.org/package/2006/metadata/core-properties"/>
+    <ds:schemaRef ds:uri="http://purl.org/dc/dcmitype/"/>
+    <ds:schemaRef ds:uri="http://schemas.microsoft.com/office/infopath/2007/PartnerControls"/>
+    <ds:schemaRef ds:uri="http://purl.org/dc/elements/1.1/"/>
+    <ds:schemaRef ds:uri="http://schemas.microsoft.com/office/2006/metadata/properties"/>
+    <ds:schemaRef ds:uri="http://schemas.microsoft.com/office/2006/documentManagement/types"/>
+    <ds:schemaRef ds:uri="40262f94-9f35-4ac3-9a90-690165a166b7"/>
+    <ds:schemaRef ds:uri="a4f35948-e619-41b3-aa29-22878b09cfd2"/>
+    <ds:schemaRef ds:uri="http://www.w3.org/XML/1998/namespace"/>
   </ds:schemaRefs>
 </ds:datastoreItem>
 </file>